--- a/과제PPT/기업업무 3강.pptx
+++ b/과제PPT/기업업무 3강.pptx
@@ -6,34 +6,36 @@
   </p:sldMasterIdLst>
   <p:sldIdLst>
     <p:sldId id="256" r:id="rId2"/>
-    <p:sldId id="313" r:id="rId3"/>
-    <p:sldId id="298" r:id="rId4"/>
-    <p:sldId id="299" r:id="rId5"/>
-    <p:sldId id="300" r:id="rId6"/>
-    <p:sldId id="301" r:id="rId7"/>
-    <p:sldId id="302" r:id="rId8"/>
-    <p:sldId id="303" r:id="rId9"/>
-    <p:sldId id="304" r:id="rId10"/>
+    <p:sldId id="264" r:id="rId3"/>
+    <p:sldId id="313" r:id="rId4"/>
+    <p:sldId id="298" r:id="rId5"/>
+    <p:sldId id="299" r:id="rId6"/>
+    <p:sldId id="300" r:id="rId7"/>
+    <p:sldId id="301" r:id="rId8"/>
+    <p:sldId id="302" r:id="rId9"/>
+    <p:sldId id="303" r:id="rId10"/>
     <p:sldId id="305" r:id="rId11"/>
     <p:sldId id="306" r:id="rId12"/>
     <p:sldId id="307" r:id="rId13"/>
     <p:sldId id="308" r:id="rId14"/>
     <p:sldId id="309" r:id="rId15"/>
-    <p:sldId id="310" r:id="rId16"/>
-    <p:sldId id="311" r:id="rId17"/>
-    <p:sldId id="315" r:id="rId18"/>
-    <p:sldId id="316" r:id="rId19"/>
-    <p:sldId id="317" r:id="rId20"/>
-    <p:sldId id="318" r:id="rId21"/>
-    <p:sldId id="319" r:id="rId22"/>
+    <p:sldId id="325" r:id="rId16"/>
+    <p:sldId id="310" r:id="rId17"/>
+    <p:sldId id="311" r:id="rId18"/>
+    <p:sldId id="315" r:id="rId19"/>
+    <p:sldId id="316" r:id="rId20"/>
+    <p:sldId id="317" r:id="rId21"/>
+    <p:sldId id="318" r:id="rId22"/>
     <p:sldId id="320" r:id="rId23"/>
     <p:sldId id="321" r:id="rId24"/>
-    <p:sldId id="322" r:id="rId25"/>
-    <p:sldId id="323" r:id="rId26"/>
-    <p:sldId id="324" r:id="rId27"/>
-    <p:sldId id="314" r:id="rId28"/>
-    <p:sldId id="312" r:id="rId29"/>
-    <p:sldId id="284" r:id="rId30"/>
+    <p:sldId id="323" r:id="rId25"/>
+    <p:sldId id="322" r:id="rId26"/>
+    <p:sldId id="319" r:id="rId27"/>
+    <p:sldId id="324" r:id="rId28"/>
+    <p:sldId id="314" r:id="rId29"/>
+    <p:sldId id="312" r:id="rId30"/>
+    <p:sldId id="284" r:id="rId31"/>
+    <p:sldId id="326" r:id="rId32"/>
   </p:sldIdLst>
   <p:sldSz cx="12192000" cy="6858000"/>
   <p:notesSz cx="6858000" cy="9144000"/>
@@ -352,7 +354,7 @@
             <a:fld id="{96DFF08F-DC6B-4601-B491-B0F83F6DD2DA}" type="datetimeFigureOut">
               <a:rPr lang="en-US" dirty="0"/>
               <a:pPr/>
-              <a:t>5/19/2023</a:t>
+              <a:t>5/20/2023</a:t>
             </a:fld>
             <a:endParaRPr lang="en-US" dirty="0"/>
           </a:p>
@@ -569,7 +571,7 @@
           <a:p>
             <a:fld id="{96DFF08F-DC6B-4601-B491-B0F83F6DD2DA}" type="datetimeFigureOut">
               <a:rPr lang="en-US" dirty="0"/>
-              <a:t>5/19/2023</a:t>
+              <a:t>5/20/2023</a:t>
             </a:fld>
             <a:endParaRPr lang="en-US" dirty="0"/>
           </a:p>
@@ -744,7 +746,7 @@
           <a:p>
             <a:fld id="{96DFF08F-DC6B-4601-B491-B0F83F6DD2DA}" type="datetimeFigureOut">
               <a:rPr lang="en-US" dirty="0"/>
-              <a:t>5/19/2023</a:t>
+              <a:t>5/20/2023</a:t>
             </a:fld>
             <a:endParaRPr lang="en-US" dirty="0"/>
           </a:p>
@@ -909,7 +911,7 @@
           <a:p>
             <a:fld id="{96DFF08F-DC6B-4601-B491-B0F83F6DD2DA}" type="datetimeFigureOut">
               <a:rPr lang="en-US" dirty="0"/>
-              <a:t>5/19/2023</a:t>
+              <a:t>5/20/2023</a:t>
             </a:fld>
             <a:endParaRPr lang="en-US" dirty="0"/>
           </a:p>
@@ -1178,7 +1180,7 @@
           <a:p>
             <a:fld id="{96DFF08F-DC6B-4601-B491-B0F83F6DD2DA}" type="datetimeFigureOut">
               <a:rPr lang="en-US" dirty="0"/>
-              <a:t>5/19/2023</a:t>
+              <a:t>5/20/2023</a:t>
             </a:fld>
             <a:endParaRPr lang="en-US" dirty="0"/>
           </a:p>
@@ -1496,7 +1498,7 @@
           <a:p>
             <a:fld id="{96DFF08F-DC6B-4601-B491-B0F83F6DD2DA}" type="datetimeFigureOut">
               <a:rPr lang="en-US" dirty="0"/>
-              <a:t>5/19/2023</a:t>
+              <a:t>5/20/2023</a:t>
             </a:fld>
             <a:endParaRPr lang="en-US" dirty="0"/>
           </a:p>
@@ -1915,7 +1917,7 @@
           <a:p>
             <a:fld id="{96DFF08F-DC6B-4601-B491-B0F83F6DD2DA}" type="datetimeFigureOut">
               <a:rPr lang="en-US" dirty="0"/>
-              <a:t>5/19/2023</a:t>
+              <a:t>5/20/2023</a:t>
             </a:fld>
             <a:endParaRPr lang="en-US" dirty="0"/>
           </a:p>
@@ -2028,7 +2030,7 @@
           <a:p>
             <a:fld id="{96DFF08F-DC6B-4601-B491-B0F83F6DD2DA}" type="datetimeFigureOut">
               <a:rPr lang="en-US" dirty="0"/>
-              <a:t>5/19/2023</a:t>
+              <a:t>5/20/2023</a:t>
             </a:fld>
             <a:endParaRPr lang="en-US" dirty="0"/>
           </a:p>
@@ -2118,7 +2120,7 @@
           <a:p>
             <a:fld id="{96DFF08F-DC6B-4601-B491-B0F83F6DD2DA}" type="datetimeFigureOut">
               <a:rPr lang="en-US" dirty="0"/>
-              <a:t>5/19/2023</a:t>
+              <a:t>5/20/2023</a:t>
             </a:fld>
             <a:endParaRPr lang="en-US" dirty="0"/>
           </a:p>
@@ -2403,7 +2405,7 @@
           <a:p>
             <a:fld id="{96DFF08F-DC6B-4601-B491-B0F83F6DD2DA}" type="datetimeFigureOut">
               <a:rPr lang="en-US" dirty="0"/>
-              <a:t>5/19/2023</a:t>
+              <a:t>5/20/2023</a:t>
             </a:fld>
             <a:endParaRPr lang="en-US" dirty="0"/>
           </a:p>
@@ -2670,7 +2672,7 @@
           <a:p>
             <a:fld id="{96DFF08F-DC6B-4601-B491-B0F83F6DD2DA}" type="datetimeFigureOut">
               <a:rPr lang="en-US" dirty="0"/>
-              <a:t>5/19/2023</a:t>
+              <a:t>5/20/2023</a:t>
             </a:fld>
             <a:endParaRPr lang="en-US" dirty="0"/>
           </a:p>
@@ -2920,7 +2922,7 @@
             <a:fld id="{96DFF08F-DC6B-4601-B491-B0F83F6DD2DA}" type="datetimeFigureOut">
               <a:rPr lang="en-US" dirty="0"/>
               <a:pPr/>
-              <a:t>5/19/2023</a:t>
+              <a:t>5/20/2023</a:t>
             </a:fld>
             <a:endParaRPr lang="en-US" dirty="0"/>
           </a:p>
@@ -3432,7 +3434,7 @@
               <a:t>3</a:t>
             </a:r>
             <a:r>
-              <a:rPr lang="ko-KR" altLang="en-US" dirty="0" smtClean="0">
+              <a:rPr lang="ko-KR" altLang="en-US" dirty="0">
                 <a:solidFill>
                   <a:schemeClr val="accent1"/>
                 </a:solidFill>
@@ -3448,20 +3450,6 @@
               </a:rPr>
               <a:t>강</a:t>
             </a:r>
-            <a:endParaRPr lang="ko-KR" altLang="en-US" dirty="0">
-              <a:solidFill>
-                <a:schemeClr val="accent1"/>
-              </a:solidFill>
-              <a:effectLst>
-                <a:outerShdw blurRad="38100" dist="38100" dir="2700000" algn="tl">
-                  <a:srgbClr val="000000">
-                    <a:alpha val="43137"/>
-                  </a:srgbClr>
-                </a:outerShdw>
-              </a:effectLst>
-              <a:latin typeface="+mj-ea"/>
-              <a:ea typeface="+mj-ea"/>
-            </a:endParaRPr>
           </a:p>
         </p:txBody>
       </p:sp>
@@ -3632,12 +3620,36 @@
               <a:buChar char="•"/>
             </a:pPr>
             <a:r>
-              <a:rPr lang="ko-KR" altLang="en-US" sz="4000" b="1" dirty="0" err="1" smtClean="0">
+              <a:rPr lang="ko-KR" altLang="en-US" sz="4000" b="1" dirty="0">
                 <a:solidFill>
                   <a:schemeClr val="accent1"/>
                 </a:solidFill>
               </a:rPr>
-              <a:t>ㅇ</a:t>
+              <a:t>기본 지식</a:t>
+            </a:r>
+            <a:r>
+              <a:rPr lang="en-US" altLang="ko-KR" sz="4000" b="1" dirty="0">
+                <a:solidFill>
+                  <a:schemeClr val="accent1"/>
+                </a:solidFill>
+              </a:rPr>
+              <a:t>- </a:t>
+            </a:r>
+            <a:r>
+              <a:rPr lang="ko-KR" altLang="en-US" sz="4000" b="1" dirty="0">
+                <a:solidFill>
+                  <a:schemeClr val="accent1"/>
+                </a:solidFill>
+              </a:rPr>
+              <a:t>함수</a:t>
+            </a:r>
+            <a:r>
+              <a:rPr lang="en-US" altLang="ko-KR" sz="4000" b="1" dirty="0">
+                <a:solidFill>
+                  <a:schemeClr val="accent1"/>
+                </a:solidFill>
+              </a:rPr>
+              <a:t> </a:t>
             </a:r>
             <a:endParaRPr lang="ko-KR" altLang="en-US" sz="4000" b="1" dirty="0">
               <a:solidFill>
@@ -3665,6 +3677,126 @@
           <a:xfrm>
             <a:off x="408025" y="1361786"/>
             <a:ext cx="6479472" cy="5188359"/>
+          </a:xfrm>
+          <a:prstGeom prst="rect">
+            <a:avLst/>
+          </a:prstGeom>
+        </p:spPr>
+      </p:pic>
+      <p:pic>
+        <p:nvPicPr>
+          <p:cNvPr id="5" name="그림 4">
+            <a:extLst>
+              <a:ext uri="{FF2B5EF4-FFF2-40B4-BE49-F238E27FC236}">
+                <a16:creationId xmlns:a16="http://schemas.microsoft.com/office/drawing/2014/main" id="{2383A3C5-3ED6-4B1B-8702-EDFA9BF88D39}"/>
+              </a:ext>
+            </a:extLst>
+          </p:cNvPr>
+          <p:cNvPicPr>
+            <a:picLocks noChangeAspect="1"/>
+          </p:cNvPicPr>
+          <p:nvPr/>
+        </p:nvPicPr>
+        <p:blipFill>
+          <a:blip r:embed="rId3"/>
+          <a:stretch>
+            <a:fillRect/>
+          </a:stretch>
+        </p:blipFill>
+        <p:spPr>
+          <a:xfrm>
+            <a:off x="7701368" y="2094573"/>
+            <a:ext cx="4239217" cy="1200318"/>
+          </a:xfrm>
+          <a:prstGeom prst="rect">
+            <a:avLst/>
+          </a:prstGeom>
+        </p:spPr>
+      </p:pic>
+      <p:pic>
+        <p:nvPicPr>
+          <p:cNvPr id="7" name="그림 6">
+            <a:extLst>
+              <a:ext uri="{FF2B5EF4-FFF2-40B4-BE49-F238E27FC236}">
+                <a16:creationId xmlns:a16="http://schemas.microsoft.com/office/drawing/2014/main" id="{8994221F-0ECF-22D2-9A28-594D076FDC12}"/>
+              </a:ext>
+            </a:extLst>
+          </p:cNvPr>
+          <p:cNvPicPr>
+            <a:picLocks noChangeAspect="1"/>
+          </p:cNvPicPr>
+          <p:nvPr/>
+        </p:nvPicPr>
+        <p:blipFill>
+          <a:blip r:embed="rId4"/>
+          <a:stretch>
+            <a:fillRect/>
+          </a:stretch>
+        </p:blipFill>
+        <p:spPr>
+          <a:xfrm>
+            <a:off x="7720421" y="3244297"/>
+            <a:ext cx="4220164" cy="1190791"/>
+          </a:xfrm>
+          <a:prstGeom prst="rect">
+            <a:avLst/>
+          </a:prstGeom>
+        </p:spPr>
+      </p:pic>
+      <p:pic>
+        <p:nvPicPr>
+          <p:cNvPr id="9" name="그림 8">
+            <a:extLst>
+              <a:ext uri="{FF2B5EF4-FFF2-40B4-BE49-F238E27FC236}">
+                <a16:creationId xmlns:a16="http://schemas.microsoft.com/office/drawing/2014/main" id="{CFCB71B4-F0C0-2AF4-3AB6-68CA2201C6B6}"/>
+              </a:ext>
+            </a:extLst>
+          </p:cNvPr>
+          <p:cNvPicPr>
+            <a:picLocks noChangeAspect="1"/>
+          </p:cNvPicPr>
+          <p:nvPr/>
+        </p:nvPicPr>
+        <p:blipFill>
+          <a:blip r:embed="rId5"/>
+          <a:stretch>
+            <a:fillRect/>
+          </a:stretch>
+        </p:blipFill>
+        <p:spPr>
+          <a:xfrm>
+            <a:off x="7682316" y="4434357"/>
+            <a:ext cx="4258269" cy="1200318"/>
+          </a:xfrm>
+          <a:prstGeom prst="rect">
+            <a:avLst/>
+          </a:prstGeom>
+        </p:spPr>
+      </p:pic>
+      <p:pic>
+        <p:nvPicPr>
+          <p:cNvPr id="11" name="그림 10">
+            <a:extLst>
+              <a:ext uri="{FF2B5EF4-FFF2-40B4-BE49-F238E27FC236}">
+                <a16:creationId xmlns:a16="http://schemas.microsoft.com/office/drawing/2014/main" id="{45381BE5-EC6B-0758-4CEB-325CD9810D01}"/>
+              </a:ext>
+            </a:extLst>
+          </p:cNvPr>
+          <p:cNvPicPr>
+            <a:picLocks noChangeAspect="1"/>
+          </p:cNvPicPr>
+          <p:nvPr/>
+        </p:nvPicPr>
+        <p:blipFill>
+          <a:blip r:embed="rId6"/>
+          <a:stretch>
+            <a:fillRect/>
+          </a:stretch>
+        </p:blipFill>
+        <p:spPr>
+          <a:xfrm>
+            <a:off x="7691842" y="5349827"/>
+            <a:ext cx="4248743" cy="1200318"/>
           </a:xfrm>
           <a:prstGeom prst="rect">
             <a:avLst/>
@@ -3728,12 +3860,20 @@
               <a:buChar char="•"/>
             </a:pPr>
             <a:r>
-              <a:rPr lang="ko-KR" altLang="en-US" sz="4000" b="1" dirty="0" err="1" smtClean="0">
+              <a:rPr lang="ko-KR" altLang="en-US" sz="4000" b="1" dirty="0">
                 <a:solidFill>
                   <a:schemeClr val="accent1"/>
                 </a:solidFill>
               </a:rPr>
-              <a:t>ㅇ</a:t>
+              <a:t>기본 지식</a:t>
+            </a:r>
+            <a:r>
+              <a:rPr lang="en-US" altLang="ko-KR" sz="4000" b="1" dirty="0">
+                <a:solidFill>
+                  <a:schemeClr val="accent1"/>
+                </a:solidFill>
+              </a:rPr>
+              <a:t>- Object</a:t>
             </a:r>
             <a:endParaRPr lang="ko-KR" altLang="en-US" sz="4000" b="1" dirty="0">
               <a:solidFill>
@@ -3761,6 +3901,36 @@
           <a:xfrm>
             <a:off x="408025" y="1179834"/>
             <a:ext cx="7332212" cy="4793263"/>
+          </a:xfrm>
+          <a:prstGeom prst="rect">
+            <a:avLst/>
+          </a:prstGeom>
+        </p:spPr>
+      </p:pic>
+      <p:pic>
+        <p:nvPicPr>
+          <p:cNvPr id="7" name="그림 6">
+            <a:extLst>
+              <a:ext uri="{FF2B5EF4-FFF2-40B4-BE49-F238E27FC236}">
+                <a16:creationId xmlns:a16="http://schemas.microsoft.com/office/drawing/2014/main" id="{C4A53656-0EF1-606A-4F72-1884028F74A0}"/>
+              </a:ext>
+            </a:extLst>
+          </p:cNvPr>
+          <p:cNvPicPr>
+            <a:picLocks noChangeAspect="1"/>
+          </p:cNvPicPr>
+          <p:nvPr/>
+        </p:nvPicPr>
+        <p:blipFill>
+          <a:blip r:embed="rId3"/>
+          <a:stretch>
+            <a:fillRect/>
+          </a:stretch>
+        </p:blipFill>
+        <p:spPr>
+          <a:xfrm>
+            <a:off x="5596092" y="5172642"/>
+            <a:ext cx="6305679" cy="1343660"/>
           </a:xfrm>
           <a:prstGeom prst="rect">
             <a:avLst/>
@@ -3824,12 +3994,20 @@
               <a:buChar char="•"/>
             </a:pPr>
             <a:r>
-              <a:rPr lang="ko-KR" altLang="en-US" sz="4000" b="1" dirty="0" err="1" smtClean="0">
+              <a:rPr lang="ko-KR" altLang="en-US" sz="4000" b="1" dirty="0">
                 <a:solidFill>
                   <a:schemeClr val="accent1"/>
                 </a:solidFill>
               </a:rPr>
-              <a:t>ㅇ</a:t>
+              <a:t>객체</a:t>
+            </a:r>
+            <a:r>
+              <a:rPr lang="en-US" altLang="ko-KR" sz="4000" b="1" dirty="0">
+                <a:solidFill>
+                  <a:schemeClr val="accent1"/>
+                </a:solidFill>
+              </a:rPr>
+              <a:t>- String</a:t>
             </a:r>
             <a:endParaRPr lang="ko-KR" altLang="en-US" sz="4000" b="1" dirty="0">
               <a:solidFill>
@@ -3857,6 +4035,36 @@
           <a:xfrm>
             <a:off x="408025" y="1309612"/>
             <a:ext cx="6296550" cy="5194427"/>
+          </a:xfrm>
+          <a:prstGeom prst="rect">
+            <a:avLst/>
+          </a:prstGeom>
+        </p:spPr>
+      </p:pic>
+      <p:pic>
+        <p:nvPicPr>
+          <p:cNvPr id="5" name="그림 4">
+            <a:extLst>
+              <a:ext uri="{FF2B5EF4-FFF2-40B4-BE49-F238E27FC236}">
+                <a16:creationId xmlns:a16="http://schemas.microsoft.com/office/drawing/2014/main" id="{87FD9699-4552-2FAB-8CD1-F1511596C64E}"/>
+              </a:ext>
+            </a:extLst>
+          </p:cNvPr>
+          <p:cNvPicPr>
+            <a:picLocks noChangeAspect="1"/>
+          </p:cNvPicPr>
+          <p:nvPr/>
+        </p:nvPicPr>
+        <p:blipFill>
+          <a:blip r:embed="rId3"/>
+          <a:stretch>
+            <a:fillRect/>
+          </a:stretch>
+        </p:blipFill>
+        <p:spPr>
+          <a:xfrm>
+            <a:off x="6962273" y="4427723"/>
+            <a:ext cx="4973053" cy="2190511"/>
           </a:xfrm>
           <a:prstGeom prst="rect">
             <a:avLst/>
@@ -3920,12 +4128,20 @@
               <a:buChar char="•"/>
             </a:pPr>
             <a:r>
-              <a:rPr lang="ko-KR" altLang="en-US" sz="4000" b="1" dirty="0" err="1" smtClean="0">
+              <a:rPr lang="ko-KR" altLang="en-US" sz="4000" b="1" dirty="0">
                 <a:solidFill>
                   <a:schemeClr val="accent1"/>
                 </a:solidFill>
               </a:rPr>
-              <a:t>ㅇ</a:t>
+              <a:t>배열</a:t>
+            </a:r>
+            <a:r>
+              <a:rPr lang="en-US" altLang="ko-KR" sz="4000" b="1" dirty="0">
+                <a:solidFill>
+                  <a:schemeClr val="accent1"/>
+                </a:solidFill>
+              </a:rPr>
+              <a:t>- array</a:t>
             </a:r>
             <a:endParaRPr lang="ko-KR" altLang="en-US" sz="4000" b="1" dirty="0">
               <a:solidFill>
@@ -3953,6 +4169,36 @@
           <a:xfrm>
             <a:off x="408024" y="1179834"/>
             <a:ext cx="6051769" cy="5355548"/>
+          </a:xfrm>
+          <a:prstGeom prst="rect">
+            <a:avLst/>
+          </a:prstGeom>
+        </p:spPr>
+      </p:pic>
+      <p:pic>
+        <p:nvPicPr>
+          <p:cNvPr id="5" name="그림 4">
+            <a:extLst>
+              <a:ext uri="{FF2B5EF4-FFF2-40B4-BE49-F238E27FC236}">
+                <a16:creationId xmlns:a16="http://schemas.microsoft.com/office/drawing/2014/main" id="{8FAA9FD3-B0E8-7410-CBFE-D95FB363428A}"/>
+              </a:ext>
+            </a:extLst>
+          </p:cNvPr>
+          <p:cNvPicPr>
+            <a:picLocks noChangeAspect="1"/>
+          </p:cNvPicPr>
+          <p:nvPr/>
+        </p:nvPicPr>
+        <p:blipFill>
+          <a:blip r:embed="rId3"/>
+          <a:stretch>
+            <a:fillRect/>
+          </a:stretch>
+        </p:blipFill>
+        <p:spPr>
+          <a:xfrm>
+            <a:off x="10263790" y="893569"/>
+            <a:ext cx="1520185" cy="5641813"/>
           </a:xfrm>
           <a:prstGeom prst="rect">
             <a:avLst/>
@@ -4016,12 +4262,20 @@
               <a:buChar char="•"/>
             </a:pPr>
             <a:r>
-              <a:rPr lang="ko-KR" altLang="en-US" sz="4000" b="1" dirty="0" err="1" smtClean="0">
+              <a:rPr lang="ko-KR" altLang="en-US" sz="4000" b="1" dirty="0">
                 <a:solidFill>
                   <a:schemeClr val="accent1"/>
                 </a:solidFill>
               </a:rPr>
-              <a:t>ㅇ</a:t>
+              <a:t>객체</a:t>
+            </a:r>
+            <a:r>
+              <a:rPr lang="en-US" altLang="ko-KR" sz="4000" b="1" dirty="0">
+                <a:solidFill>
+                  <a:schemeClr val="accent1"/>
+                </a:solidFill>
+              </a:rPr>
+              <a:t>- navigator</a:t>
             </a:r>
             <a:endParaRPr lang="ko-KR" altLang="en-US" sz="4000" b="1" dirty="0">
               <a:solidFill>
@@ -4048,7 +4302,7 @@
         <p:spPr>
           <a:xfrm>
             <a:off x="408024" y="1179834"/>
-            <a:ext cx="7594837" cy="3805121"/>
+            <a:ext cx="10699530" cy="5360616"/>
           </a:xfrm>
           <a:prstGeom prst="rect">
             <a:avLst/>
@@ -4085,51 +4339,15 @@
           <a:chExt cx="0" cy="0"/>
         </a:xfrm>
       </p:grpSpPr>
-      <p:sp>
-        <p:nvSpPr>
-          <p:cNvPr id="3" name="TextBox 2"/>
-          <p:cNvSpPr txBox="1"/>
-          <p:nvPr/>
-        </p:nvSpPr>
-        <p:spPr>
-          <a:xfrm>
-            <a:off x="408025" y="471948"/>
-            <a:ext cx="9763432" cy="707886"/>
-          </a:xfrm>
-          <a:prstGeom prst="rect">
-            <a:avLst/>
-          </a:prstGeom>
-          <a:noFill/>
-        </p:spPr>
-        <p:txBody>
-          <a:bodyPr wrap="square" rtlCol="0">
-            <a:spAutoFit/>
-          </a:bodyPr>
-          <a:lstStyle/>
-          <a:p>
-            <a:pPr marL="571500" indent="-571500">
-              <a:buFont typeface="Arial" panose="020B0604020202020204" pitchFamily="34" charset="0"/>
-              <a:buChar char="•"/>
-            </a:pPr>
-            <a:r>
-              <a:rPr lang="ko-KR" altLang="en-US" sz="4000" b="1" dirty="0" err="1" smtClean="0">
-                <a:solidFill>
-                  <a:schemeClr val="accent1"/>
-                </a:solidFill>
-              </a:rPr>
-              <a:t>ㅇ</a:t>
-            </a:r>
-            <a:endParaRPr lang="ko-KR" altLang="en-US" sz="4000" b="1" dirty="0">
-              <a:solidFill>
-                <a:schemeClr val="accent1"/>
-              </a:solidFill>
-            </a:endParaRPr>
-          </a:p>
-        </p:txBody>
-      </p:sp>
       <p:pic>
         <p:nvPicPr>
-          <p:cNvPr id="2" name="그림 1"/>
+          <p:cNvPr id="5" name="그림 4">
+            <a:extLst>
+              <a:ext uri="{FF2B5EF4-FFF2-40B4-BE49-F238E27FC236}">
+                <a16:creationId xmlns:a16="http://schemas.microsoft.com/office/drawing/2014/main" id="{80809CA4-F0AA-5FBD-D229-EAF23BE7A756}"/>
+              </a:ext>
+            </a:extLst>
+          </p:cNvPr>
           <p:cNvPicPr>
             <a:picLocks noChangeAspect="1"/>
           </p:cNvPicPr>
@@ -4143,8 +4361,38 @@
         </p:blipFill>
         <p:spPr>
           <a:xfrm>
-            <a:off x="408025" y="1179834"/>
-            <a:ext cx="7997461" cy="4778514"/>
+            <a:off x="399072" y="450426"/>
+            <a:ext cx="6219985" cy="3919443"/>
+          </a:xfrm>
+          <a:prstGeom prst="rect">
+            <a:avLst/>
+          </a:prstGeom>
+        </p:spPr>
+      </p:pic>
+      <p:pic>
+        <p:nvPicPr>
+          <p:cNvPr id="9" name="그림 8">
+            <a:extLst>
+              <a:ext uri="{FF2B5EF4-FFF2-40B4-BE49-F238E27FC236}">
+                <a16:creationId xmlns:a16="http://schemas.microsoft.com/office/drawing/2014/main" id="{2AF9BA38-1752-D79D-C215-740E9534E23B}"/>
+              </a:ext>
+            </a:extLst>
+          </p:cNvPr>
+          <p:cNvPicPr>
+            <a:picLocks noChangeAspect="1"/>
+          </p:cNvPicPr>
+          <p:nvPr/>
+        </p:nvPicPr>
+        <p:blipFill>
+          <a:blip r:embed="rId3"/>
+          <a:stretch>
+            <a:fillRect/>
+          </a:stretch>
+        </p:blipFill>
+        <p:spPr>
+          <a:xfrm>
+            <a:off x="5313146" y="3658219"/>
+            <a:ext cx="6556784" cy="2859062"/>
           </a:xfrm>
           <a:prstGeom prst="rect">
             <a:avLst/>
@@ -4154,7 +4402,7 @@
     </p:spTree>
     <p:extLst>
       <p:ext uri="{BB962C8B-B14F-4D97-AF65-F5344CB8AC3E}">
-        <p14:creationId xmlns:p14="http://schemas.microsoft.com/office/powerpoint/2010/main" val="3737235865"/>
+        <p14:creationId xmlns:p14="http://schemas.microsoft.com/office/powerpoint/2010/main" val="1584521291"/>
       </p:ext>
     </p:extLst>
   </p:cSld>
@@ -4208,12 +4456,20 @@
               <a:buChar char="•"/>
             </a:pPr>
             <a:r>
-              <a:rPr lang="ko-KR" altLang="en-US" sz="4000" b="1" dirty="0" err="1" smtClean="0">
+              <a:rPr lang="ko-KR" altLang="en-US" sz="4000" b="1" dirty="0">
                 <a:solidFill>
                   <a:schemeClr val="accent1"/>
                 </a:solidFill>
               </a:rPr>
-              <a:t>ㅇ</a:t>
+              <a:t>객체</a:t>
+            </a:r>
+            <a:r>
+              <a:rPr lang="en-US" altLang="ko-KR" sz="4000" b="1" dirty="0">
+                <a:solidFill>
+                  <a:schemeClr val="accent1"/>
+                </a:solidFill>
+              </a:rPr>
+              <a:t>- window</a:t>
             </a:r>
             <a:endParaRPr lang="ko-KR" altLang="en-US" sz="4000" b="1" dirty="0">
               <a:solidFill>
@@ -4239,8 +4495,8 @@
         </p:blipFill>
         <p:spPr>
           <a:xfrm>
-            <a:off x="408025" y="1301481"/>
-            <a:ext cx="7108749" cy="4892842"/>
+            <a:off x="408025" y="1179833"/>
+            <a:ext cx="9043983" cy="5403815"/>
           </a:xfrm>
           <a:prstGeom prst="rect">
             <a:avLst/>
@@ -4250,7 +4506,7 @@
     </p:spTree>
     <p:extLst>
       <p:ext uri="{BB962C8B-B14F-4D97-AF65-F5344CB8AC3E}">
-        <p14:creationId xmlns:p14="http://schemas.microsoft.com/office/powerpoint/2010/main" val="2014732616"/>
+        <p14:creationId xmlns:p14="http://schemas.microsoft.com/office/powerpoint/2010/main" val="3737235865"/>
       </p:ext>
     </p:extLst>
   </p:cSld>
@@ -4304,12 +4560,20 @@
               <a:buChar char="•"/>
             </a:pPr>
             <a:r>
-              <a:rPr lang="ko-KR" altLang="en-US" sz="4000" b="1" dirty="0" err="1" smtClean="0">
+              <a:rPr lang="ko-KR" altLang="en-US" sz="4000" b="1" dirty="0">
                 <a:solidFill>
                   <a:schemeClr val="accent1"/>
                 </a:solidFill>
               </a:rPr>
-              <a:t>ㅇ</a:t>
+              <a:t>객체</a:t>
+            </a:r>
+            <a:r>
+              <a:rPr lang="en-US" altLang="ko-KR" sz="4000" b="1" dirty="0">
+                <a:solidFill>
+                  <a:schemeClr val="accent1"/>
+                </a:solidFill>
+              </a:rPr>
+              <a:t>- document</a:t>
             </a:r>
             <a:endParaRPr lang="ko-KR" altLang="en-US" sz="4000" b="1" dirty="0">
               <a:solidFill>
@@ -4335,8 +4599,68 @@
         </p:blipFill>
         <p:spPr>
           <a:xfrm>
-            <a:off x="408025" y="1179833"/>
-            <a:ext cx="8631703" cy="4881753"/>
+            <a:off x="408025" y="1301481"/>
+            <a:ext cx="7108749" cy="4892842"/>
+          </a:xfrm>
+          <a:prstGeom prst="rect">
+            <a:avLst/>
+          </a:prstGeom>
+        </p:spPr>
+      </p:pic>
+      <p:pic>
+        <p:nvPicPr>
+          <p:cNvPr id="7" name="그림 6">
+            <a:extLst>
+              <a:ext uri="{FF2B5EF4-FFF2-40B4-BE49-F238E27FC236}">
+                <a16:creationId xmlns:a16="http://schemas.microsoft.com/office/drawing/2014/main" id="{F61148C1-F2BF-5301-7E60-DC56C78636CA}"/>
+              </a:ext>
+            </a:extLst>
+          </p:cNvPr>
+          <p:cNvPicPr>
+            <a:picLocks noChangeAspect="1"/>
+          </p:cNvPicPr>
+          <p:nvPr/>
+        </p:nvPicPr>
+        <p:blipFill>
+          <a:blip r:embed="rId3"/>
+          <a:stretch>
+            <a:fillRect/>
+          </a:stretch>
+        </p:blipFill>
+        <p:spPr>
+          <a:xfrm>
+            <a:off x="8338229" y="4594460"/>
+            <a:ext cx="3445746" cy="1941053"/>
+          </a:xfrm>
+          <a:prstGeom prst="rect">
+            <a:avLst/>
+          </a:prstGeom>
+        </p:spPr>
+      </p:pic>
+      <p:pic>
+        <p:nvPicPr>
+          <p:cNvPr id="9" name="그림 8">
+            <a:extLst>
+              <a:ext uri="{FF2B5EF4-FFF2-40B4-BE49-F238E27FC236}">
+                <a16:creationId xmlns:a16="http://schemas.microsoft.com/office/drawing/2014/main" id="{A22E3B35-D38F-F76B-7FEA-322A11191106}"/>
+              </a:ext>
+            </a:extLst>
+          </p:cNvPr>
+          <p:cNvPicPr>
+            <a:picLocks noChangeAspect="1"/>
+          </p:cNvPicPr>
+          <p:nvPr/>
+        </p:nvPicPr>
+        <p:blipFill>
+          <a:blip r:embed="rId4"/>
+          <a:stretch>
+            <a:fillRect/>
+          </a:stretch>
+        </p:blipFill>
+        <p:spPr>
+          <a:xfrm>
+            <a:off x="8338229" y="3030620"/>
+            <a:ext cx="3467002" cy="1563840"/>
           </a:xfrm>
           <a:prstGeom prst="rect">
             <a:avLst/>
@@ -4346,7 +4670,7 @@
     </p:spTree>
     <p:extLst>
       <p:ext uri="{BB962C8B-B14F-4D97-AF65-F5344CB8AC3E}">
-        <p14:creationId xmlns:p14="http://schemas.microsoft.com/office/powerpoint/2010/main" val="2649765401"/>
+        <p14:creationId xmlns:p14="http://schemas.microsoft.com/office/powerpoint/2010/main" val="2014732616"/>
       </p:ext>
     </p:extLst>
   </p:cSld>
@@ -4400,12 +4724,20 @@
               <a:buChar char="•"/>
             </a:pPr>
             <a:r>
-              <a:rPr lang="ko-KR" altLang="en-US" sz="4000" b="1" dirty="0" err="1" smtClean="0">
+              <a:rPr lang="ko-KR" altLang="en-US" sz="4000" b="1" dirty="0">
                 <a:solidFill>
                   <a:schemeClr val="accent1"/>
                 </a:solidFill>
               </a:rPr>
-              <a:t>ㅇ</a:t>
+              <a:t>객체</a:t>
+            </a:r>
+            <a:r>
+              <a:rPr lang="en-US" altLang="ko-KR" sz="4000" b="1" dirty="0">
+                <a:solidFill>
+                  <a:schemeClr val="accent1"/>
+                </a:solidFill>
+              </a:rPr>
+              <a:t>- location</a:t>
             </a:r>
             <a:endParaRPr lang="ko-KR" altLang="en-US" sz="4000" b="1" dirty="0">
               <a:solidFill>
@@ -4431,18 +4763,168 @@
         </p:blipFill>
         <p:spPr>
           <a:xfrm>
-            <a:off x="408025" y="1179834"/>
-            <a:ext cx="7670308" cy="5265211"/>
+            <a:off x="408025" y="1179833"/>
+            <a:ext cx="8631703" cy="4881753"/>
           </a:xfrm>
           <a:prstGeom prst="rect">
             <a:avLst/>
           </a:prstGeom>
         </p:spPr>
       </p:pic>
+      <p:pic>
+        <p:nvPicPr>
+          <p:cNvPr id="5" name="그림 4">
+            <a:extLst>
+              <a:ext uri="{FF2B5EF4-FFF2-40B4-BE49-F238E27FC236}">
+                <a16:creationId xmlns:a16="http://schemas.microsoft.com/office/drawing/2014/main" id="{322EACC3-95C0-1531-0624-0507E090AD91}"/>
+              </a:ext>
+            </a:extLst>
+          </p:cNvPr>
+          <p:cNvPicPr>
+            <a:picLocks noChangeAspect="1"/>
+          </p:cNvPicPr>
+          <p:nvPr/>
+        </p:nvPicPr>
+        <p:blipFill>
+          <a:blip r:embed="rId3"/>
+          <a:stretch>
+            <a:fillRect/>
+          </a:stretch>
+        </p:blipFill>
+        <p:spPr>
+          <a:xfrm>
+            <a:off x="9039728" y="2192815"/>
+            <a:ext cx="2858394" cy="1486365"/>
+          </a:xfrm>
+          <a:prstGeom prst="rect">
+            <a:avLst/>
+          </a:prstGeom>
+        </p:spPr>
+      </p:pic>
+      <p:pic>
+        <p:nvPicPr>
+          <p:cNvPr id="7" name="그림 6">
+            <a:extLst>
+              <a:ext uri="{FF2B5EF4-FFF2-40B4-BE49-F238E27FC236}">
+                <a16:creationId xmlns:a16="http://schemas.microsoft.com/office/drawing/2014/main" id="{ED93B04E-CB50-0609-F8BB-1CD3A7E413A2}"/>
+              </a:ext>
+            </a:extLst>
+          </p:cNvPr>
+          <p:cNvPicPr>
+            <a:picLocks noChangeAspect="1"/>
+          </p:cNvPicPr>
+          <p:nvPr/>
+        </p:nvPicPr>
+        <p:blipFill>
+          <a:blip r:embed="rId4"/>
+          <a:stretch>
+            <a:fillRect/>
+          </a:stretch>
+        </p:blipFill>
+        <p:spPr>
+          <a:xfrm>
+            <a:off x="9039727" y="4893727"/>
+            <a:ext cx="2858395" cy="1167859"/>
+          </a:xfrm>
+          <a:prstGeom prst="rect">
+            <a:avLst/>
+          </a:prstGeom>
+        </p:spPr>
+      </p:pic>
+      <p:sp>
+        <p:nvSpPr>
+          <p:cNvPr id="8" name="화살표: 아래쪽 7">
+            <a:extLst>
+              <a:ext uri="{FF2B5EF4-FFF2-40B4-BE49-F238E27FC236}">
+                <a16:creationId xmlns:a16="http://schemas.microsoft.com/office/drawing/2014/main" id="{62E33CBA-2328-6A90-8811-705AC4CC5C09}"/>
+              </a:ext>
+            </a:extLst>
+          </p:cNvPr>
+          <p:cNvSpPr/>
+          <p:nvPr/>
+        </p:nvSpPr>
+        <p:spPr>
+          <a:xfrm>
+            <a:off x="10171457" y="3984859"/>
+            <a:ext cx="551086" cy="707886"/>
+          </a:xfrm>
+          <a:prstGeom prst="downArrow">
+            <a:avLst/>
+          </a:prstGeom>
+        </p:spPr>
+        <p:style>
+          <a:lnRef idx="2">
+            <a:schemeClr val="accent1">
+              <a:shade val="50000"/>
+            </a:schemeClr>
+          </a:lnRef>
+          <a:fillRef idx="1">
+            <a:schemeClr val="accent1"/>
+          </a:fillRef>
+          <a:effectRef idx="0">
+            <a:schemeClr val="accent1"/>
+          </a:effectRef>
+          <a:fontRef idx="minor">
+            <a:schemeClr val="lt1"/>
+          </a:fontRef>
+        </p:style>
+        <p:txBody>
+          <a:bodyPr rtlCol="0" anchor="ctr"/>
+          <a:lstStyle/>
+          <a:p>
+            <a:pPr algn="ctr"/>
+            <a:endParaRPr lang="ko-KR" altLang="en-US"/>
+          </a:p>
+        </p:txBody>
+      </p:sp>
+      <p:sp>
+        <p:nvSpPr>
+          <p:cNvPr id="9" name="TextBox 8">
+            <a:extLst>
+              <a:ext uri="{FF2B5EF4-FFF2-40B4-BE49-F238E27FC236}">
+                <a16:creationId xmlns:a16="http://schemas.microsoft.com/office/drawing/2014/main" id="{1F809D74-11F0-B536-4D73-794FF7AC8F07}"/>
+              </a:ext>
+            </a:extLst>
+          </p:cNvPr>
+          <p:cNvSpPr txBox="1"/>
+          <p:nvPr/>
+        </p:nvSpPr>
+        <p:spPr>
+          <a:xfrm>
+            <a:off x="7522803" y="6201386"/>
+            <a:ext cx="4547278" cy="369332"/>
+          </a:xfrm>
+          <a:prstGeom prst="rect">
+            <a:avLst/>
+          </a:prstGeom>
+          <a:noFill/>
+        </p:spPr>
+        <p:txBody>
+          <a:bodyPr wrap="square" rtlCol="0">
+            <a:spAutoFit/>
+          </a:bodyPr>
+          <a:lstStyle/>
+          <a:p>
+            <a:pPr marL="285750" indent="-285750">
+              <a:buFont typeface="Arial" panose="020B0604020202020204" pitchFamily="34" charset="0"/>
+              <a:buChar char="•"/>
+            </a:pPr>
+            <a:r>
+              <a:rPr lang="ko-KR" altLang="en-US" dirty="0"/>
+              <a:t>링크연결을 하였으나 네이버가 거부함</a:t>
+            </a:r>
+            <a:r>
+              <a:rPr lang="en-US" altLang="ko-KR" dirty="0"/>
+              <a:t>…</a:t>
+            </a:r>
+            <a:endParaRPr lang="ko-KR" altLang="en-US" dirty="0"/>
+          </a:p>
+        </p:txBody>
+      </p:sp>
     </p:spTree>
     <p:extLst>
       <p:ext uri="{BB962C8B-B14F-4D97-AF65-F5344CB8AC3E}">
-        <p14:creationId xmlns:p14="http://schemas.microsoft.com/office/powerpoint/2010/main" val="3857912881"/>
+        <p14:creationId xmlns:p14="http://schemas.microsoft.com/office/powerpoint/2010/main" val="2649765401"/>
       </p:ext>
     </p:extLst>
   </p:cSld>
@@ -4469,6 +4951,56 @@
           <a:chExt cx="0" cy="0"/>
         </a:xfrm>
       </p:grpSpPr>
+      <p:sp>
+        <p:nvSpPr>
+          <p:cNvPr id="3" name="TextBox 2"/>
+          <p:cNvSpPr txBox="1"/>
+          <p:nvPr/>
+        </p:nvSpPr>
+        <p:spPr>
+          <a:xfrm>
+            <a:off x="408025" y="471948"/>
+            <a:ext cx="9763432" cy="707886"/>
+          </a:xfrm>
+          <a:prstGeom prst="rect">
+            <a:avLst/>
+          </a:prstGeom>
+          <a:noFill/>
+        </p:spPr>
+        <p:txBody>
+          <a:bodyPr wrap="square" rtlCol="0">
+            <a:spAutoFit/>
+          </a:bodyPr>
+          <a:lstStyle/>
+          <a:p>
+            <a:pPr marL="571500" indent="-571500">
+              <a:buFont typeface="Arial" panose="020B0604020202020204" pitchFamily="34" charset="0"/>
+              <a:buChar char="•"/>
+            </a:pPr>
+            <a:r>
+              <a:rPr lang="ko-KR" altLang="en-US" sz="4000" b="1" dirty="0">
+                <a:solidFill>
+                  <a:schemeClr val="accent1"/>
+                </a:solidFill>
+              </a:rPr>
+              <a:t>객체</a:t>
+            </a:r>
+            <a:r>
+              <a:rPr lang="en-US" altLang="ko-KR" sz="4000" b="1" dirty="0">
+                <a:solidFill>
+                  <a:schemeClr val="accent1"/>
+                </a:solidFill>
+              </a:rPr>
+              <a:t>- history</a:t>
+            </a:r>
+            <a:endParaRPr lang="ko-KR" altLang="en-US" sz="4000" b="1" dirty="0">
+              <a:solidFill>
+                <a:schemeClr val="accent1"/>
+              </a:solidFill>
+            </a:endParaRPr>
+          </a:p>
+        </p:txBody>
+      </p:sp>
       <p:pic>
         <p:nvPicPr>
           <p:cNvPr id="2" name="그림 1"/>
@@ -4485,74 +5017,8 @@
         </p:blipFill>
         <p:spPr>
           <a:xfrm>
-            <a:off x="408025" y="1194602"/>
-            <a:ext cx="6715446" cy="5252437"/>
-          </a:xfrm>
-          <a:prstGeom prst="rect">
-            <a:avLst/>
-          </a:prstGeom>
-        </p:spPr>
-      </p:pic>
-      <p:sp>
-        <p:nvSpPr>
-          <p:cNvPr id="3" name="TextBox 2"/>
-          <p:cNvSpPr txBox="1"/>
-          <p:nvPr/>
-        </p:nvSpPr>
-        <p:spPr>
-          <a:xfrm>
-            <a:off x="408025" y="471948"/>
-            <a:ext cx="9763432" cy="707886"/>
-          </a:xfrm>
-          <a:prstGeom prst="rect">
-            <a:avLst/>
-          </a:prstGeom>
-          <a:noFill/>
-        </p:spPr>
-        <p:txBody>
-          <a:bodyPr wrap="square" rtlCol="0">
-            <a:spAutoFit/>
-          </a:bodyPr>
-          <a:lstStyle/>
-          <a:p>
-            <a:pPr marL="571500" indent="-571500">
-              <a:buFont typeface="Arial" panose="020B0604020202020204" pitchFamily="34" charset="0"/>
-              <a:buChar char="•"/>
-            </a:pPr>
-            <a:r>
-              <a:rPr lang="ko-KR" altLang="en-US" sz="4000" b="1" dirty="0" err="1" smtClean="0">
-                <a:solidFill>
-                  <a:schemeClr val="accent1"/>
-                </a:solidFill>
-              </a:rPr>
-              <a:t>ㅇ</a:t>
-            </a:r>
-            <a:endParaRPr lang="ko-KR" altLang="en-US" sz="4000" b="1" dirty="0">
-              <a:solidFill>
-                <a:schemeClr val="accent1"/>
-              </a:solidFill>
-            </a:endParaRPr>
-          </a:p>
-        </p:txBody>
-      </p:sp>
-      <p:pic>
-        <p:nvPicPr>
-          <p:cNvPr id="4" name="그림 3"/>
-          <p:cNvPicPr>
-            <a:picLocks noChangeAspect="1"/>
-          </p:cNvPicPr>
-          <p:nvPr/>
-        </p:nvPicPr>
-        <p:blipFill>
-          <a:blip r:embed="rId3"/>
-          <a:stretch>
-            <a:fillRect/>
-          </a:stretch>
-        </p:blipFill>
-        <p:spPr>
-          <a:xfrm>
-            <a:off x="5887283" y="336169"/>
-            <a:ext cx="5994631" cy="6108878"/>
+            <a:off x="408025" y="1179834"/>
+            <a:ext cx="7670308" cy="5265211"/>
           </a:xfrm>
           <a:prstGeom prst="rect">
             <a:avLst/>
@@ -4562,7 +5028,7 @@
     </p:spTree>
     <p:extLst>
       <p:ext uri="{BB962C8B-B14F-4D97-AF65-F5344CB8AC3E}">
-        <p14:creationId xmlns:p14="http://schemas.microsoft.com/office/powerpoint/2010/main" val="2899900342"/>
+        <p14:creationId xmlns:p14="http://schemas.microsoft.com/office/powerpoint/2010/main" val="3857912881"/>
       </p:ext>
     </p:extLst>
   </p:cSld>
@@ -4591,14 +5057,60 @@
       </p:grpSpPr>
       <p:sp>
         <p:nvSpPr>
-          <p:cNvPr id="3" name="TextBox 2"/>
+          <p:cNvPr id="2" name="제목 1">
+            <a:extLst>
+              <a:ext uri="{FF2B5EF4-FFF2-40B4-BE49-F238E27FC236}">
+                <a16:creationId xmlns:a16="http://schemas.microsoft.com/office/drawing/2014/main" id="{FB32A8CE-07CC-9609-7A69-E66CD99D4153}"/>
+              </a:ext>
+            </a:extLst>
+          </p:cNvPr>
+          <p:cNvSpPr>
+            <a:spLocks noGrp="1"/>
+          </p:cNvSpPr>
+          <p:nvPr>
+            <p:ph type="title"/>
+          </p:nvPr>
+        </p:nvSpPr>
+        <p:spPr>
+          <a:xfrm>
+            <a:off x="507098" y="609600"/>
+            <a:ext cx="9875520" cy="673510"/>
+          </a:xfrm>
+        </p:spPr>
+        <p:txBody>
+          <a:bodyPr>
+            <a:normAutofit fontScale="90000"/>
+          </a:bodyPr>
+          <a:lstStyle/>
+          <a:p>
+            <a:r>
+              <a:rPr lang="en-US" altLang="ko-KR" b="1" dirty="0">
+                <a:latin typeface="+mj-ea"/>
+              </a:rPr>
+              <a:t>1. JavaScript</a:t>
+            </a:r>
+            <a:endParaRPr lang="ko-KR" altLang="en-US" b="1" dirty="0">
+              <a:latin typeface="+mj-ea"/>
+            </a:endParaRPr>
+          </a:p>
+        </p:txBody>
+      </p:sp>
+      <p:sp>
+        <p:nvSpPr>
+          <p:cNvPr id="3" name="TextBox 2">
+            <a:extLst>
+              <a:ext uri="{FF2B5EF4-FFF2-40B4-BE49-F238E27FC236}">
+                <a16:creationId xmlns:a16="http://schemas.microsoft.com/office/drawing/2014/main" id="{DDCEE8A9-2178-BDAB-9AA1-73F5EC93914F}"/>
+              </a:ext>
+            </a:extLst>
+          </p:cNvPr>
           <p:cNvSpPr txBox="1"/>
           <p:nvPr/>
         </p:nvSpPr>
         <p:spPr>
           <a:xfrm>
-            <a:off x="408025" y="471948"/>
-            <a:ext cx="9763432" cy="707886"/>
+            <a:off x="507098" y="1598922"/>
+            <a:ext cx="11394850" cy="3726148"/>
           </a:xfrm>
           <a:prstGeom prst="rect">
             <a:avLst/>
@@ -4606,83 +5118,461 @@
           <a:noFill/>
         </p:spPr>
         <p:txBody>
-          <a:bodyPr wrap="square" rtlCol="0">
+          <a:bodyPr wrap="square" numCol="2" rtlCol="0">
             <a:spAutoFit/>
           </a:bodyPr>
           <a:lstStyle/>
           <a:p>
-            <a:pPr marL="571500" indent="-571500">
-              <a:buFont typeface="Arial" panose="020B0604020202020204" pitchFamily="34" charset="0"/>
-              <a:buChar char="•"/>
+            <a:pPr marL="342900" indent="-342900">
+              <a:lnSpc>
+                <a:spcPct val="150000"/>
+              </a:lnSpc>
+              <a:buFont typeface="+mj-lt"/>
+              <a:buAutoNum type="arabicPeriod"/>
             </a:pPr>
             <a:r>
-              <a:rPr lang="ko-KR" altLang="en-US" sz="4000" b="1" dirty="0" err="1" smtClean="0">
-                <a:solidFill>
-                  <a:schemeClr val="accent1"/>
-                </a:solidFill>
-              </a:rPr>
-              <a:t>ㅇ</a:t>
-            </a:r>
-            <a:endParaRPr lang="ko-KR" altLang="en-US" sz="4000" b="1" dirty="0">
-              <a:solidFill>
-                <a:schemeClr val="accent1"/>
-              </a:solidFill>
+              <a:rPr lang="en-US" altLang="ko-KR" sz="2000" dirty="0">
+                <a:latin typeface="+mj-ea"/>
+                <a:ea typeface="+mj-ea"/>
+              </a:rPr>
+              <a:t>Java, Java Script, JSP(Java Server Page)</a:t>
+            </a:r>
+          </a:p>
+          <a:p>
+            <a:pPr marL="342900" indent="-342900">
+              <a:lnSpc>
+                <a:spcPct val="150000"/>
+              </a:lnSpc>
+              <a:buFont typeface="+mj-lt"/>
+              <a:buAutoNum type="arabicPeriod"/>
+            </a:pPr>
+            <a:r>
+              <a:rPr lang="en-US" altLang="ko-KR" sz="2000" dirty="0">
+                <a:latin typeface="+mj-ea"/>
+                <a:ea typeface="+mj-ea"/>
+              </a:rPr>
+              <a:t>Hello World</a:t>
+            </a:r>
+          </a:p>
+          <a:p>
+            <a:pPr marL="342900" indent="-342900">
+              <a:lnSpc>
+                <a:spcPct val="150000"/>
+              </a:lnSpc>
+              <a:buFont typeface="+mj-lt"/>
+              <a:buAutoNum type="arabicPeriod"/>
+            </a:pPr>
+            <a:r>
+              <a:rPr lang="ko-KR" altLang="en-US" sz="2000" dirty="0">
+                <a:latin typeface="+mj-ea"/>
+                <a:ea typeface="+mj-ea"/>
+              </a:rPr>
+              <a:t>기본함수 몇가지</a:t>
+            </a:r>
+            <a:endParaRPr lang="en-US" altLang="ko-KR" sz="2000" dirty="0">
+              <a:latin typeface="+mj-ea"/>
+              <a:ea typeface="+mj-ea"/>
             </a:endParaRPr>
           </a:p>
-        </p:txBody>
-      </p:sp>
-      <p:pic>
-        <p:nvPicPr>
-          <p:cNvPr id="2" name="그림 1"/>
-          <p:cNvPicPr>
-            <a:picLocks noChangeAspect="1"/>
-          </p:cNvPicPr>
-          <p:nvPr/>
-        </p:nvPicPr>
-        <p:blipFill>
-          <a:blip r:embed="rId2"/>
-          <a:stretch>
-            <a:fillRect/>
-          </a:stretch>
-        </p:blipFill>
-        <p:spPr>
-          <a:xfrm>
-            <a:off x="408025" y="1305673"/>
-            <a:ext cx="7422312" cy="4062740"/>
-          </a:xfrm>
-          <a:prstGeom prst="rect">
-            <a:avLst/>
-          </a:prstGeom>
-        </p:spPr>
-      </p:pic>
-      <p:pic>
-        <p:nvPicPr>
-          <p:cNvPr id="4" name="그림 3"/>
-          <p:cNvPicPr>
-            <a:picLocks noChangeAspect="1"/>
-          </p:cNvPicPr>
-          <p:nvPr/>
-        </p:nvPicPr>
-        <p:blipFill>
-          <a:blip r:embed="rId3"/>
-          <a:stretch>
-            <a:fillRect/>
-          </a:stretch>
-        </p:blipFill>
-        <p:spPr>
-          <a:xfrm>
-            <a:off x="6888201" y="5128050"/>
-            <a:ext cx="4884991" cy="1213756"/>
-          </a:xfrm>
-          <a:prstGeom prst="rect">
-            <a:avLst/>
-          </a:prstGeom>
-        </p:spPr>
-      </p:pic>
+          <a:p>
+            <a:pPr marL="342900" indent="-342900">
+              <a:lnSpc>
+                <a:spcPct val="150000"/>
+              </a:lnSpc>
+              <a:buFont typeface="+mj-lt"/>
+              <a:buAutoNum type="arabicPeriod"/>
+            </a:pPr>
+            <a:r>
+              <a:rPr lang="ko-KR" altLang="en-US" sz="2000" dirty="0">
+                <a:latin typeface="+mj-ea"/>
+                <a:ea typeface="+mj-ea"/>
+              </a:rPr>
+              <a:t>기본 지식</a:t>
+            </a:r>
+            <a:r>
+              <a:rPr lang="en-US" altLang="ko-KR" sz="2000" dirty="0">
+                <a:latin typeface="+mj-ea"/>
+                <a:ea typeface="+mj-ea"/>
+              </a:rPr>
+              <a:t>- </a:t>
+            </a:r>
+            <a:r>
+              <a:rPr lang="ko-KR" altLang="en-US" sz="2000" dirty="0">
+                <a:latin typeface="+mj-ea"/>
+                <a:ea typeface="+mj-ea"/>
+              </a:rPr>
+              <a:t>변수</a:t>
+            </a:r>
+            <a:r>
+              <a:rPr lang="en-US" altLang="ko-KR" sz="2000" dirty="0">
+                <a:latin typeface="+mj-ea"/>
+                <a:ea typeface="+mj-ea"/>
+              </a:rPr>
+              <a:t>(type,</a:t>
+            </a:r>
+            <a:r>
+              <a:rPr lang="ko-KR" altLang="en-US" sz="2000" dirty="0">
+                <a:latin typeface="+mj-ea"/>
+                <a:ea typeface="+mj-ea"/>
+              </a:rPr>
+              <a:t>연산</a:t>
+            </a:r>
+            <a:r>
+              <a:rPr lang="en-US" altLang="ko-KR" sz="2000" dirty="0">
+                <a:latin typeface="+mj-ea"/>
+                <a:ea typeface="+mj-ea"/>
+              </a:rPr>
+              <a:t>,</a:t>
+            </a:r>
+            <a:r>
+              <a:rPr lang="ko-KR" altLang="en-US" sz="2000" dirty="0">
+                <a:latin typeface="+mj-ea"/>
+                <a:ea typeface="+mj-ea"/>
+              </a:rPr>
+              <a:t>지역</a:t>
+            </a:r>
+            <a:r>
+              <a:rPr lang="en-US" altLang="ko-KR" sz="2000" dirty="0">
+                <a:latin typeface="+mj-ea"/>
+                <a:ea typeface="+mj-ea"/>
+              </a:rPr>
+              <a:t>,</a:t>
+            </a:r>
+            <a:r>
+              <a:rPr lang="ko-KR" altLang="en-US" sz="2000" dirty="0">
+                <a:latin typeface="+mj-ea"/>
+                <a:ea typeface="+mj-ea"/>
+              </a:rPr>
+              <a:t>전역변수</a:t>
+            </a:r>
+            <a:r>
+              <a:rPr lang="en-US" altLang="ko-KR" sz="2000" dirty="0">
+                <a:latin typeface="+mj-ea"/>
+                <a:ea typeface="+mj-ea"/>
+              </a:rPr>
+              <a:t>)</a:t>
+            </a:r>
+          </a:p>
+          <a:p>
+            <a:pPr marL="342900" indent="-342900">
+              <a:lnSpc>
+                <a:spcPct val="150000"/>
+              </a:lnSpc>
+              <a:buFont typeface="+mj-lt"/>
+              <a:buAutoNum type="arabicPeriod"/>
+            </a:pPr>
+            <a:r>
+              <a:rPr lang="ko-KR" altLang="en-US" sz="2000" dirty="0">
+                <a:latin typeface="+mj-ea"/>
+                <a:ea typeface="+mj-ea"/>
+              </a:rPr>
+              <a:t>기본 지식</a:t>
+            </a:r>
+            <a:r>
+              <a:rPr lang="en-US" altLang="ko-KR" sz="2000" dirty="0">
+                <a:latin typeface="+mj-ea"/>
+                <a:ea typeface="+mj-ea"/>
+              </a:rPr>
+              <a:t>- </a:t>
+            </a:r>
+            <a:r>
+              <a:rPr lang="ko-KR" altLang="en-US" sz="2000" dirty="0">
+                <a:latin typeface="+mj-ea"/>
+                <a:ea typeface="+mj-ea"/>
+              </a:rPr>
+              <a:t>연산</a:t>
+            </a:r>
+            <a:r>
+              <a:rPr lang="en-US" altLang="ko-KR" sz="2000" dirty="0">
+                <a:latin typeface="+mj-ea"/>
+                <a:ea typeface="+mj-ea"/>
+              </a:rPr>
+              <a:t>, </a:t>
+            </a:r>
+            <a:r>
+              <a:rPr lang="ko-KR" altLang="en-US" sz="2000" dirty="0">
+                <a:latin typeface="+mj-ea"/>
+                <a:ea typeface="+mj-ea"/>
+              </a:rPr>
+              <a:t>조건식</a:t>
+            </a:r>
+            <a:endParaRPr lang="en-US" altLang="ko-KR" sz="2000" dirty="0">
+              <a:latin typeface="+mj-ea"/>
+              <a:ea typeface="+mj-ea"/>
+            </a:endParaRPr>
+          </a:p>
+          <a:p>
+            <a:pPr marL="342900" indent="-342900">
+              <a:lnSpc>
+                <a:spcPct val="150000"/>
+              </a:lnSpc>
+              <a:buFont typeface="+mj-lt"/>
+              <a:buAutoNum type="arabicPeriod"/>
+            </a:pPr>
+            <a:r>
+              <a:rPr lang="ko-KR" altLang="en-US" sz="2000" dirty="0">
+                <a:latin typeface="+mj-ea"/>
+                <a:ea typeface="+mj-ea"/>
+              </a:rPr>
+              <a:t>기본 지식</a:t>
+            </a:r>
+            <a:r>
+              <a:rPr lang="en-US" altLang="ko-KR" sz="2000" dirty="0">
+                <a:latin typeface="+mj-ea"/>
+                <a:ea typeface="+mj-ea"/>
+              </a:rPr>
+              <a:t>- </a:t>
+            </a:r>
+            <a:r>
+              <a:rPr lang="ko-KR" altLang="en-US" sz="2000" dirty="0" err="1">
+                <a:latin typeface="+mj-ea"/>
+                <a:ea typeface="+mj-ea"/>
+              </a:rPr>
+              <a:t>반복문</a:t>
+            </a:r>
+            <a:endParaRPr lang="en-US" altLang="ko-KR" sz="2000" dirty="0">
+              <a:latin typeface="+mj-ea"/>
+              <a:ea typeface="+mj-ea"/>
+            </a:endParaRPr>
+          </a:p>
+          <a:p>
+            <a:pPr marL="342900" indent="-342900">
+              <a:lnSpc>
+                <a:spcPct val="150000"/>
+              </a:lnSpc>
+              <a:buFont typeface="+mj-lt"/>
+              <a:buAutoNum type="arabicPeriod"/>
+            </a:pPr>
+            <a:r>
+              <a:rPr lang="ko-KR" altLang="en-US" sz="2000" dirty="0">
+                <a:latin typeface="+mj-ea"/>
+                <a:ea typeface="+mj-ea"/>
+              </a:rPr>
+              <a:t>기본 지식</a:t>
+            </a:r>
+            <a:r>
+              <a:rPr lang="en-US" altLang="ko-KR" sz="2000" dirty="0">
+                <a:latin typeface="+mj-ea"/>
+                <a:ea typeface="+mj-ea"/>
+              </a:rPr>
+              <a:t>- </a:t>
+            </a:r>
+            <a:r>
+              <a:rPr lang="ko-KR" altLang="en-US" sz="2000" dirty="0">
+                <a:latin typeface="+mj-ea"/>
+                <a:ea typeface="+mj-ea"/>
+              </a:rPr>
+              <a:t>함수</a:t>
+            </a:r>
+            <a:endParaRPr lang="en-US" altLang="ko-KR" sz="2000" dirty="0">
+              <a:latin typeface="+mj-ea"/>
+              <a:ea typeface="+mj-ea"/>
+            </a:endParaRPr>
+          </a:p>
+          <a:p>
+            <a:pPr marL="342900" indent="-342900">
+              <a:lnSpc>
+                <a:spcPct val="150000"/>
+              </a:lnSpc>
+              <a:buFont typeface="+mj-lt"/>
+              <a:buAutoNum type="arabicPeriod"/>
+            </a:pPr>
+            <a:r>
+              <a:rPr lang="ko-KR" altLang="en-US" sz="2000" dirty="0">
+                <a:latin typeface="+mj-ea"/>
+                <a:ea typeface="+mj-ea"/>
+              </a:rPr>
+              <a:t>기본 지식</a:t>
+            </a:r>
+            <a:r>
+              <a:rPr lang="en-US" altLang="ko-KR" sz="2000" dirty="0">
+                <a:latin typeface="+mj-ea"/>
+                <a:ea typeface="+mj-ea"/>
+              </a:rPr>
+              <a:t>- Object</a:t>
+            </a:r>
+          </a:p>
+          <a:p>
+            <a:pPr marL="342900" indent="-342900">
+              <a:lnSpc>
+                <a:spcPct val="150000"/>
+              </a:lnSpc>
+              <a:buFont typeface="+mj-lt"/>
+              <a:buAutoNum type="arabicPeriod"/>
+            </a:pPr>
+            <a:r>
+              <a:rPr lang="ko-KR" altLang="en-US" sz="2000" dirty="0">
+                <a:latin typeface="+mj-ea"/>
+                <a:ea typeface="+mj-ea"/>
+              </a:rPr>
+              <a:t>객체</a:t>
+            </a:r>
+            <a:r>
+              <a:rPr lang="en-US" altLang="ko-KR" sz="2000" dirty="0">
+                <a:latin typeface="+mj-ea"/>
+                <a:ea typeface="+mj-ea"/>
+              </a:rPr>
+              <a:t>- String</a:t>
+            </a:r>
+          </a:p>
+          <a:p>
+            <a:pPr marL="342900" indent="-342900">
+              <a:lnSpc>
+                <a:spcPct val="150000"/>
+              </a:lnSpc>
+              <a:buFont typeface="+mj-lt"/>
+              <a:buAutoNum type="arabicPeriod"/>
+            </a:pPr>
+            <a:r>
+              <a:rPr lang="ko-KR" altLang="en-US" sz="2000" dirty="0">
+                <a:latin typeface="+mj-ea"/>
+                <a:ea typeface="+mj-ea"/>
+              </a:rPr>
+              <a:t> 배열</a:t>
+            </a:r>
+            <a:r>
+              <a:rPr lang="en-US" altLang="ko-KR" sz="2000" dirty="0">
+                <a:latin typeface="+mj-ea"/>
+                <a:ea typeface="+mj-ea"/>
+              </a:rPr>
+              <a:t>- Array</a:t>
+            </a:r>
+          </a:p>
+          <a:p>
+            <a:pPr marL="342900" indent="-342900">
+              <a:lnSpc>
+                <a:spcPct val="150000"/>
+              </a:lnSpc>
+              <a:buFont typeface="+mj-lt"/>
+              <a:buAutoNum type="arabicPeriod"/>
+            </a:pPr>
+            <a:r>
+              <a:rPr lang="ko-KR" altLang="en-US" sz="2000" dirty="0">
+                <a:latin typeface="+mj-ea"/>
+                <a:ea typeface="+mj-ea"/>
+              </a:rPr>
+              <a:t> 객체</a:t>
+            </a:r>
+            <a:r>
+              <a:rPr lang="en-US" altLang="ko-KR" sz="2000" dirty="0">
+                <a:latin typeface="+mj-ea"/>
+                <a:ea typeface="+mj-ea"/>
+              </a:rPr>
+              <a:t>- navigator</a:t>
+            </a:r>
+          </a:p>
+          <a:p>
+            <a:pPr marL="342900" indent="-342900">
+              <a:lnSpc>
+                <a:spcPct val="150000"/>
+              </a:lnSpc>
+              <a:buFont typeface="+mj-lt"/>
+              <a:buAutoNum type="arabicPeriod"/>
+            </a:pPr>
+            <a:r>
+              <a:rPr lang="ko-KR" altLang="en-US" sz="2000" dirty="0">
+                <a:latin typeface="+mj-ea"/>
+                <a:ea typeface="+mj-ea"/>
+              </a:rPr>
+              <a:t> 객체</a:t>
+            </a:r>
+            <a:r>
+              <a:rPr lang="en-US" altLang="ko-KR" sz="2000" dirty="0">
+                <a:latin typeface="+mj-ea"/>
+                <a:ea typeface="+mj-ea"/>
+              </a:rPr>
+              <a:t>- window</a:t>
+            </a:r>
+          </a:p>
+          <a:p>
+            <a:pPr marL="342900" indent="-342900">
+              <a:lnSpc>
+                <a:spcPct val="150000"/>
+              </a:lnSpc>
+              <a:buFont typeface="+mj-lt"/>
+              <a:buAutoNum type="arabicPeriod"/>
+            </a:pPr>
+            <a:r>
+              <a:rPr lang="ko-KR" altLang="en-US" sz="2000" dirty="0">
+                <a:latin typeface="+mj-ea"/>
+                <a:ea typeface="+mj-ea"/>
+              </a:rPr>
+              <a:t> 객체</a:t>
+            </a:r>
+            <a:r>
+              <a:rPr lang="en-US" altLang="ko-KR" sz="2000" dirty="0">
+                <a:latin typeface="+mj-ea"/>
+                <a:ea typeface="+mj-ea"/>
+              </a:rPr>
+              <a:t>- document</a:t>
+            </a:r>
+          </a:p>
+          <a:p>
+            <a:pPr marL="342900" indent="-342900">
+              <a:lnSpc>
+                <a:spcPct val="150000"/>
+              </a:lnSpc>
+              <a:buFont typeface="+mj-lt"/>
+              <a:buAutoNum type="arabicPeriod"/>
+            </a:pPr>
+            <a:r>
+              <a:rPr lang="en-US" altLang="ko-KR" sz="2000" dirty="0">
+                <a:latin typeface="+mj-ea"/>
+                <a:ea typeface="+mj-ea"/>
+              </a:rPr>
+              <a:t> </a:t>
+            </a:r>
+            <a:r>
+              <a:rPr lang="ko-KR" altLang="en-US" sz="2000" dirty="0">
+                <a:latin typeface="+mj-ea"/>
+                <a:ea typeface="+mj-ea"/>
+              </a:rPr>
+              <a:t>객체</a:t>
+            </a:r>
+            <a:r>
+              <a:rPr lang="en-US" altLang="ko-KR" sz="2000" dirty="0">
+                <a:latin typeface="+mj-ea"/>
+                <a:ea typeface="+mj-ea"/>
+              </a:rPr>
+              <a:t>- location</a:t>
+            </a:r>
+          </a:p>
+          <a:p>
+            <a:pPr marL="342900" indent="-342900">
+              <a:lnSpc>
+                <a:spcPct val="150000"/>
+              </a:lnSpc>
+              <a:buFont typeface="+mj-lt"/>
+              <a:buAutoNum type="arabicPeriod"/>
+            </a:pPr>
+            <a:r>
+              <a:rPr lang="en-US" altLang="ko-KR" sz="2000" dirty="0">
+                <a:latin typeface="+mj-ea"/>
+                <a:ea typeface="+mj-ea"/>
+              </a:rPr>
+              <a:t> </a:t>
+            </a:r>
+            <a:r>
+              <a:rPr lang="ko-KR" altLang="en-US" sz="2000" dirty="0">
+                <a:latin typeface="+mj-ea"/>
+                <a:ea typeface="+mj-ea"/>
+              </a:rPr>
+              <a:t>객체</a:t>
+            </a:r>
+            <a:r>
+              <a:rPr lang="en-US" altLang="ko-KR" sz="2000" dirty="0">
+                <a:latin typeface="+mj-ea"/>
+                <a:ea typeface="+mj-ea"/>
+              </a:rPr>
+              <a:t>- history</a:t>
+            </a:r>
+          </a:p>
+        </p:txBody>
+      </p:sp>
     </p:spTree>
     <p:extLst>
       <p:ext uri="{BB962C8B-B14F-4D97-AF65-F5344CB8AC3E}">
-        <p14:creationId xmlns:p14="http://schemas.microsoft.com/office/powerpoint/2010/main" val="4139027485"/>
+        <p14:creationId xmlns:p14="http://schemas.microsoft.com/office/powerpoint/2010/main" val="1914941605"/>
       </p:ext>
     </p:extLst>
   </p:cSld>
@@ -4711,7 +5601,7 @@
       </p:grpSpPr>
       <p:pic>
         <p:nvPicPr>
-          <p:cNvPr id="4" name="그림 3"/>
+          <p:cNvPr id="2" name="그림 1"/>
           <p:cNvPicPr>
             <a:picLocks noChangeAspect="1"/>
           </p:cNvPicPr>
@@ -4725,8 +5615,69 @@
         </p:blipFill>
         <p:spPr>
           <a:xfrm>
-            <a:off x="362497" y="353961"/>
-            <a:ext cx="5846574" cy="2250380"/>
+            <a:off x="408025" y="1194602"/>
+            <a:ext cx="6715446" cy="5252437"/>
+          </a:xfrm>
+          <a:prstGeom prst="rect">
+            <a:avLst/>
+          </a:prstGeom>
+        </p:spPr>
+      </p:pic>
+      <p:sp>
+        <p:nvSpPr>
+          <p:cNvPr id="3" name="TextBox 2"/>
+          <p:cNvSpPr txBox="1"/>
+          <p:nvPr/>
+        </p:nvSpPr>
+        <p:spPr>
+          <a:xfrm>
+            <a:off x="408025" y="471948"/>
+            <a:ext cx="9763432" cy="707886"/>
+          </a:xfrm>
+          <a:prstGeom prst="rect">
+            <a:avLst/>
+          </a:prstGeom>
+          <a:noFill/>
+        </p:spPr>
+        <p:txBody>
+          <a:bodyPr wrap="square" rtlCol="0">
+            <a:spAutoFit/>
+          </a:bodyPr>
+          <a:lstStyle/>
+          <a:p>
+            <a:pPr marL="571500" indent="-571500">
+              <a:buFont typeface="Arial" panose="020B0604020202020204" pitchFamily="34" charset="0"/>
+              <a:buChar char="•"/>
+            </a:pPr>
+            <a:r>
+              <a:rPr lang="ko-KR" altLang="en-US" sz="4000" b="1" dirty="0">
+                <a:solidFill>
+                  <a:schemeClr val="accent1"/>
+                </a:solidFill>
+              </a:rPr>
+              <a:t>성격집계표</a:t>
+            </a:r>
+          </a:p>
+        </p:txBody>
+      </p:sp>
+      <p:pic>
+        <p:nvPicPr>
+          <p:cNvPr id="4" name="그림 3"/>
+          <p:cNvPicPr>
+            <a:picLocks noChangeAspect="1"/>
+          </p:cNvPicPr>
+          <p:nvPr/>
+        </p:nvPicPr>
+        <p:blipFill>
+          <a:blip r:embed="rId3"/>
+          <a:stretch>
+            <a:fillRect/>
+          </a:stretch>
+        </p:blipFill>
+        <p:spPr>
+          <a:xfrm>
+            <a:off x="5887283" y="336169"/>
+            <a:ext cx="5994631" cy="6108878"/>
           </a:xfrm>
           <a:prstGeom prst="rect">
             <a:avLst/>
@@ -4736,7 +5687,7 @@
     </p:spTree>
     <p:extLst>
       <p:ext uri="{BB962C8B-B14F-4D97-AF65-F5344CB8AC3E}">
-        <p14:creationId xmlns:p14="http://schemas.microsoft.com/office/powerpoint/2010/main" val="2122503471"/>
+        <p14:creationId xmlns:p14="http://schemas.microsoft.com/office/powerpoint/2010/main" val="2899900342"/>
       </p:ext>
     </p:extLst>
   </p:cSld>
@@ -4763,52 +5714,64 @@
           <a:chExt cx="0" cy="0"/>
         </a:xfrm>
       </p:grpSpPr>
-      <p:sp>
-        <p:nvSpPr>
-          <p:cNvPr id="3" name="TextBox 2"/>
-          <p:cNvSpPr txBox="1"/>
-          <p:nvPr/>
-        </p:nvSpPr>
-        <p:spPr>
-          <a:xfrm>
-            <a:off x="408025" y="471948"/>
-            <a:ext cx="9763432" cy="707886"/>
-          </a:xfrm>
-          <a:prstGeom prst="rect">
-            <a:avLst/>
-          </a:prstGeom>
-          <a:noFill/>
-        </p:spPr>
-        <p:txBody>
-          <a:bodyPr wrap="square" rtlCol="0">
-            <a:spAutoFit/>
-          </a:bodyPr>
-          <a:lstStyle/>
-          <a:p>
-            <a:pPr marL="571500" indent="-571500">
-              <a:buFont typeface="Arial" panose="020B0604020202020204" pitchFamily="34" charset="0"/>
-              <a:buChar char="•"/>
-            </a:pPr>
-            <a:r>
-              <a:rPr lang="ko-KR" altLang="en-US" sz="4000" b="1" dirty="0" err="1" smtClean="0">
-                <a:solidFill>
-                  <a:schemeClr val="accent1"/>
-                </a:solidFill>
-              </a:rPr>
-              <a:t>ㅇ</a:t>
-            </a:r>
-            <a:endParaRPr lang="ko-KR" altLang="en-US" sz="4000" b="1" dirty="0">
-              <a:solidFill>
-                <a:schemeClr val="accent1"/>
-              </a:solidFill>
-            </a:endParaRPr>
-          </a:p>
-        </p:txBody>
-      </p:sp>
+      <p:pic>
+        <p:nvPicPr>
+          <p:cNvPr id="4" name="그림 3"/>
+          <p:cNvPicPr>
+            <a:picLocks noChangeAspect="1"/>
+          </p:cNvPicPr>
+          <p:nvPr/>
+        </p:nvPicPr>
+        <p:blipFill>
+          <a:blip r:embed="rId2"/>
+          <a:stretch>
+            <a:fillRect/>
+          </a:stretch>
+        </p:blipFill>
+        <p:spPr>
+          <a:xfrm>
+            <a:off x="362496" y="353961"/>
+            <a:ext cx="7472467" cy="2876196"/>
+          </a:xfrm>
+          <a:prstGeom prst="rect">
+            <a:avLst/>
+          </a:prstGeom>
+        </p:spPr>
+      </p:pic>
+      <p:pic>
+        <p:nvPicPr>
+          <p:cNvPr id="3" name="그림 2">
+            <a:extLst>
+              <a:ext uri="{FF2B5EF4-FFF2-40B4-BE49-F238E27FC236}">
+                <a16:creationId xmlns:a16="http://schemas.microsoft.com/office/drawing/2014/main" id="{ABE47D0F-6FBF-C4C3-5033-6CA714BD7033}"/>
+              </a:ext>
+            </a:extLst>
+          </p:cNvPr>
+          <p:cNvPicPr>
+            <a:picLocks noChangeAspect="1"/>
+          </p:cNvPicPr>
+          <p:nvPr/>
+        </p:nvPicPr>
+        <p:blipFill>
+          <a:blip r:embed="rId3"/>
+          <a:stretch>
+            <a:fillRect/>
+          </a:stretch>
+        </p:blipFill>
+        <p:spPr>
+          <a:xfrm>
+            <a:off x="8460661" y="325163"/>
+            <a:ext cx="3368842" cy="6207673"/>
+          </a:xfrm>
+          <a:prstGeom prst="rect">
+            <a:avLst/>
+          </a:prstGeom>
+        </p:spPr>
+      </p:pic>
     </p:spTree>
     <p:extLst>
       <p:ext uri="{BB962C8B-B14F-4D97-AF65-F5344CB8AC3E}">
-        <p14:creationId xmlns:p14="http://schemas.microsoft.com/office/powerpoint/2010/main" val="2937582858"/>
+        <p14:creationId xmlns:p14="http://schemas.microsoft.com/office/powerpoint/2010/main" val="2122503471"/>
       </p:ext>
     </p:extLst>
   </p:cSld>
@@ -4862,18 +5825,13 @@
               <a:buChar char="•"/>
             </a:pPr>
             <a:r>
-              <a:rPr lang="ko-KR" altLang="en-US" sz="4000" b="1" dirty="0" err="1" smtClean="0">
+              <a:rPr lang="ko-KR" altLang="en-US" sz="4000" b="1" dirty="0">
                 <a:solidFill>
                   <a:schemeClr val="accent1"/>
                 </a:solidFill>
               </a:rPr>
-              <a:t>ㅇ</a:t>
-            </a:r>
-            <a:endParaRPr lang="ko-KR" altLang="en-US" sz="4000" b="1" dirty="0">
-              <a:solidFill>
-                <a:schemeClr val="accent1"/>
-              </a:solidFill>
-            </a:endParaRPr>
+              <a:t>이마트 영수증</a:t>
+            </a:r>
           </a:p>
         </p:txBody>
       </p:sp>
@@ -4933,7 +5891,13 @@
       </p:grpSpPr>
       <p:pic>
         <p:nvPicPr>
-          <p:cNvPr id="2" name="그림 1"/>
+          <p:cNvPr id="5" name="그림 4">
+            <a:extLst>
+              <a:ext uri="{FF2B5EF4-FFF2-40B4-BE49-F238E27FC236}">
+                <a16:creationId xmlns:a16="http://schemas.microsoft.com/office/drawing/2014/main" id="{78F9EAA8-C49A-C827-1A1A-F2A4815A934A}"/>
+              </a:ext>
+            </a:extLst>
+          </p:cNvPr>
           <p:cNvPicPr>
             <a:picLocks noChangeAspect="1"/>
           </p:cNvPicPr>
@@ -4947,8 +5911,8 @@
         </p:blipFill>
         <p:spPr>
           <a:xfrm>
-            <a:off x="366308" y="294949"/>
-            <a:ext cx="4633395" cy="6269413"/>
+            <a:off x="302439" y="294949"/>
+            <a:ext cx="4525546" cy="6269413"/>
           </a:xfrm>
           <a:prstGeom prst="rect">
             <a:avLst/>
@@ -4957,7 +5921,13 @@
       </p:pic>
       <p:pic>
         <p:nvPicPr>
-          <p:cNvPr id="4" name="그림 3"/>
+          <p:cNvPr id="9" name="그림 8">
+            <a:extLst>
+              <a:ext uri="{FF2B5EF4-FFF2-40B4-BE49-F238E27FC236}">
+                <a16:creationId xmlns:a16="http://schemas.microsoft.com/office/drawing/2014/main" id="{DE9BDF62-B14B-A228-0BD5-22409C992058}"/>
+              </a:ext>
+            </a:extLst>
+          </p:cNvPr>
           <p:cNvPicPr>
             <a:picLocks noChangeAspect="1"/>
           </p:cNvPicPr>
@@ -4971,8 +5941,8 @@
         </p:blipFill>
         <p:spPr>
           <a:xfrm>
-            <a:off x="5186642" y="294949"/>
-            <a:ext cx="6626815" cy="4903156"/>
+            <a:off x="4827985" y="293637"/>
+            <a:ext cx="7061576" cy="3707515"/>
           </a:xfrm>
           <a:prstGeom prst="rect">
             <a:avLst/>
@@ -5011,7 +5981,13 @@
       </p:grpSpPr>
       <p:pic>
         <p:nvPicPr>
-          <p:cNvPr id="2" name="그림 1"/>
+          <p:cNvPr id="6" name="그림 5">
+            <a:extLst>
+              <a:ext uri="{FF2B5EF4-FFF2-40B4-BE49-F238E27FC236}">
+                <a16:creationId xmlns:a16="http://schemas.microsoft.com/office/drawing/2014/main" id="{89BD5E0A-2337-48EE-885D-F3566F3D8935}"/>
+              </a:ext>
+            </a:extLst>
+          </p:cNvPr>
           <p:cNvPicPr>
             <a:picLocks noChangeAspect="1"/>
           </p:cNvPicPr>
@@ -5025,8 +6001,8 @@
         </p:blipFill>
         <p:spPr>
           <a:xfrm>
-            <a:off x="350328" y="348387"/>
-            <a:ext cx="9796562" cy="6105440"/>
+            <a:off x="331959" y="294553"/>
+            <a:ext cx="8503569" cy="6268893"/>
           </a:xfrm>
           <a:prstGeom prst="rect">
             <a:avLst/>
@@ -5036,7 +6012,7 @@
     </p:spTree>
     <p:extLst>
       <p:ext uri="{BB962C8B-B14F-4D97-AF65-F5344CB8AC3E}">
-        <p14:creationId xmlns:p14="http://schemas.microsoft.com/office/powerpoint/2010/main" val="2035584997"/>
+        <p14:creationId xmlns:p14="http://schemas.microsoft.com/office/powerpoint/2010/main" val="1423876915"/>
       </p:ext>
     </p:extLst>
   </p:cSld>
@@ -5063,52 +6039,40 @@
           <a:chExt cx="0" cy="0"/>
         </a:xfrm>
       </p:grpSpPr>
-      <p:sp>
-        <p:nvSpPr>
-          <p:cNvPr id="3" name="TextBox 2"/>
-          <p:cNvSpPr txBox="1"/>
-          <p:nvPr/>
-        </p:nvSpPr>
-        <p:spPr>
-          <a:xfrm>
-            <a:off x="408025" y="471948"/>
-            <a:ext cx="9763432" cy="707886"/>
-          </a:xfrm>
-          <a:prstGeom prst="rect">
-            <a:avLst/>
-          </a:prstGeom>
-          <a:noFill/>
-        </p:spPr>
-        <p:txBody>
-          <a:bodyPr wrap="square" rtlCol="0">
-            <a:spAutoFit/>
-          </a:bodyPr>
-          <a:lstStyle/>
-          <a:p>
-            <a:pPr marL="571500" indent="-571500">
-              <a:buFont typeface="Arial" panose="020B0604020202020204" pitchFamily="34" charset="0"/>
-              <a:buChar char="•"/>
-            </a:pPr>
-            <a:r>
-              <a:rPr lang="ko-KR" altLang="en-US" sz="4000" b="1" dirty="0" err="1" smtClean="0">
-                <a:solidFill>
-                  <a:schemeClr val="accent1"/>
-                </a:solidFill>
-              </a:rPr>
-              <a:t>ㅇ</a:t>
-            </a:r>
-            <a:endParaRPr lang="ko-KR" altLang="en-US" sz="4000" b="1" dirty="0">
-              <a:solidFill>
-                <a:schemeClr val="accent1"/>
-              </a:solidFill>
-            </a:endParaRPr>
-          </a:p>
-        </p:txBody>
-      </p:sp>
+      <p:pic>
+        <p:nvPicPr>
+          <p:cNvPr id="4" name="그림 3">
+            <a:extLst>
+              <a:ext uri="{FF2B5EF4-FFF2-40B4-BE49-F238E27FC236}">
+                <a16:creationId xmlns:a16="http://schemas.microsoft.com/office/drawing/2014/main" id="{DBC541BC-282B-1270-EC00-5F157975365C}"/>
+              </a:ext>
+            </a:extLst>
+          </p:cNvPr>
+          <p:cNvPicPr>
+            <a:picLocks noChangeAspect="1"/>
+          </p:cNvPicPr>
+          <p:nvPr/>
+        </p:nvPicPr>
+        <p:blipFill>
+          <a:blip r:embed="rId2"/>
+          <a:stretch>
+            <a:fillRect/>
+          </a:stretch>
+        </p:blipFill>
+        <p:spPr>
+          <a:xfrm>
+            <a:off x="282376" y="302549"/>
+            <a:ext cx="10216699" cy="6268654"/>
+          </a:xfrm>
+          <a:prstGeom prst="rect">
+            <a:avLst/>
+          </a:prstGeom>
+        </p:spPr>
+      </p:pic>
     </p:spTree>
     <p:extLst>
       <p:ext uri="{BB962C8B-B14F-4D97-AF65-F5344CB8AC3E}">
-        <p14:creationId xmlns:p14="http://schemas.microsoft.com/office/powerpoint/2010/main" val="1423876915"/>
+        <p14:creationId xmlns:p14="http://schemas.microsoft.com/office/powerpoint/2010/main" val="2035584997"/>
       </p:ext>
     </p:extLst>
   </p:cSld>
@@ -5135,6 +6099,96 @@
           <a:chExt cx="0" cy="0"/>
         </a:xfrm>
       </p:grpSpPr>
+      <p:pic>
+        <p:nvPicPr>
+          <p:cNvPr id="4" name="그림 3">
+            <a:extLst>
+              <a:ext uri="{FF2B5EF4-FFF2-40B4-BE49-F238E27FC236}">
+                <a16:creationId xmlns:a16="http://schemas.microsoft.com/office/drawing/2014/main" id="{8D7AE253-2497-D342-24D0-9189FC914E0C}"/>
+              </a:ext>
+            </a:extLst>
+          </p:cNvPr>
+          <p:cNvPicPr>
+            <a:picLocks noChangeAspect="1"/>
+          </p:cNvPicPr>
+          <p:nvPr/>
+        </p:nvPicPr>
+        <p:blipFill>
+          <a:blip r:embed="rId2"/>
+          <a:stretch>
+            <a:fillRect/>
+          </a:stretch>
+        </p:blipFill>
+        <p:spPr>
+          <a:xfrm>
+            <a:off x="285080" y="269508"/>
+            <a:ext cx="2910274" cy="6256420"/>
+          </a:xfrm>
+          <a:prstGeom prst="rect">
+            <a:avLst/>
+          </a:prstGeom>
+        </p:spPr>
+      </p:pic>
+      <p:pic>
+        <p:nvPicPr>
+          <p:cNvPr id="6" name="그림 5">
+            <a:extLst>
+              <a:ext uri="{FF2B5EF4-FFF2-40B4-BE49-F238E27FC236}">
+                <a16:creationId xmlns:a16="http://schemas.microsoft.com/office/drawing/2014/main" id="{F2E70F71-A4FC-5A94-FD69-6FF550181BE9}"/>
+              </a:ext>
+            </a:extLst>
+          </p:cNvPr>
+          <p:cNvPicPr>
+            <a:picLocks noChangeAspect="1"/>
+          </p:cNvPicPr>
+          <p:nvPr/>
+        </p:nvPicPr>
+        <p:blipFill>
+          <a:blip r:embed="rId3"/>
+          <a:stretch>
+            <a:fillRect/>
+          </a:stretch>
+        </p:blipFill>
+        <p:spPr>
+          <a:xfrm>
+            <a:off x="3195354" y="372979"/>
+            <a:ext cx="2910274" cy="4262938"/>
+          </a:xfrm>
+          <a:prstGeom prst="rect">
+            <a:avLst/>
+          </a:prstGeom>
+        </p:spPr>
+      </p:pic>
+    </p:spTree>
+    <p:extLst>
+      <p:ext uri="{BB962C8B-B14F-4D97-AF65-F5344CB8AC3E}">
+        <p14:creationId xmlns:p14="http://schemas.microsoft.com/office/powerpoint/2010/main" val="2937582858"/>
+      </p:ext>
+    </p:extLst>
+  </p:cSld>
+  <p:clrMapOvr>
+    <a:masterClrMapping/>
+  </p:clrMapOvr>
+</p:sld>
+</file>
+
+<file path=ppt/slides/slide27.xml><?xml version="1.0" encoding="utf-8"?>
+<p:sld xmlns:a="http://schemas.openxmlformats.org/drawingml/2006/main" xmlns:r="http://schemas.openxmlformats.org/officeDocument/2006/relationships" xmlns:p="http://schemas.openxmlformats.org/presentationml/2006/main">
+  <p:cSld>
+    <p:spTree>
+      <p:nvGrpSpPr>
+        <p:cNvPr id="1" name=""/>
+        <p:cNvGrpSpPr/>
+        <p:nvPr/>
+      </p:nvGrpSpPr>
+      <p:grpSpPr>
+        <a:xfrm>
+          <a:off x="0" y="0"/>
+          <a:ext cx="0" cy="0"/>
+          <a:chOff x="0" y="0"/>
+          <a:chExt cx="0" cy="0"/>
+        </a:xfrm>
+      </p:grpSpPr>
       <p:sp>
         <p:nvSpPr>
           <p:cNvPr id="3" name="TextBox 2"/>
@@ -5162,12 +6216,12 @@
               <a:buChar char="•"/>
             </a:pPr>
             <a:r>
-              <a:rPr lang="ko-KR" altLang="en-US" sz="4000" b="1" dirty="0" err="1" smtClean="0">
+              <a:rPr lang="en-US" altLang="ko-KR" sz="4000" b="1" dirty="0" err="1">
                 <a:solidFill>
                   <a:schemeClr val="accent1"/>
                 </a:solidFill>
               </a:rPr>
-              <a:t>ㅇ</a:t>
+              <a:t>ChartNew</a:t>
             </a:r>
             <a:endParaRPr lang="ko-KR" altLang="en-US" sz="4000" b="1" dirty="0">
               <a:solidFill>
@@ -5190,7 +6244,7 @@
 </p:sld>
 </file>
 
-<file path=ppt/slides/slide27.xml><?xml version="1.0" encoding="utf-8"?>
+<file path=ppt/slides/slide28.xml><?xml version="1.0" encoding="utf-8"?>
 <p:sld xmlns:a="http://schemas.openxmlformats.org/drawingml/2006/main" xmlns:r="http://schemas.openxmlformats.org/officeDocument/2006/relationships" xmlns:p="http://schemas.openxmlformats.org/presentationml/2006/main">
   <p:cSld>
     <p:spTree>
@@ -5220,78 +6274,6 @@
 </p:sld>
 </file>
 
-<file path=ppt/slides/slide28.xml><?xml version="1.0" encoding="utf-8"?>
-<p:sld xmlns:a="http://schemas.openxmlformats.org/drawingml/2006/main" xmlns:r="http://schemas.openxmlformats.org/officeDocument/2006/relationships" xmlns:p="http://schemas.openxmlformats.org/presentationml/2006/main">
-  <p:cSld>
-    <p:spTree>
-      <p:nvGrpSpPr>
-        <p:cNvPr id="1" name=""/>
-        <p:cNvGrpSpPr/>
-        <p:nvPr/>
-      </p:nvGrpSpPr>
-      <p:grpSpPr>
-        <a:xfrm>
-          <a:off x="0" y="0"/>
-          <a:ext cx="0" cy="0"/>
-          <a:chOff x="0" y="0"/>
-          <a:chExt cx="0" cy="0"/>
-        </a:xfrm>
-      </p:grpSpPr>
-      <p:sp>
-        <p:nvSpPr>
-          <p:cNvPr id="3" name="TextBox 2"/>
-          <p:cNvSpPr txBox="1"/>
-          <p:nvPr/>
-        </p:nvSpPr>
-        <p:spPr>
-          <a:xfrm>
-            <a:off x="408025" y="471948"/>
-            <a:ext cx="9763432" cy="707886"/>
-          </a:xfrm>
-          <a:prstGeom prst="rect">
-            <a:avLst/>
-          </a:prstGeom>
-          <a:noFill/>
-        </p:spPr>
-        <p:txBody>
-          <a:bodyPr wrap="square" rtlCol="0">
-            <a:spAutoFit/>
-          </a:bodyPr>
-          <a:lstStyle/>
-          <a:p>
-            <a:pPr marL="571500" indent="-571500">
-              <a:buFont typeface="Arial" panose="020B0604020202020204" pitchFamily="34" charset="0"/>
-              <a:buChar char="•"/>
-            </a:pPr>
-            <a:r>
-              <a:rPr lang="ko-KR" altLang="en-US" sz="4000" b="1" dirty="0" err="1" smtClean="0">
-                <a:solidFill>
-                  <a:schemeClr val="accent1"/>
-                </a:solidFill>
-              </a:rPr>
-              <a:t>ㅇ</a:t>
-            </a:r>
-            <a:endParaRPr lang="ko-KR" altLang="en-US" sz="4000" b="1" dirty="0">
-              <a:solidFill>
-                <a:schemeClr val="accent1"/>
-              </a:solidFill>
-            </a:endParaRPr>
-          </a:p>
-        </p:txBody>
-      </p:sp>
-    </p:spTree>
-    <p:extLst>
-      <p:ext uri="{BB962C8B-B14F-4D97-AF65-F5344CB8AC3E}">
-        <p14:creationId xmlns:p14="http://schemas.microsoft.com/office/powerpoint/2010/main" val="2320463121"/>
-      </p:ext>
-    </p:extLst>
-  </p:cSld>
-  <p:clrMapOvr>
-    <a:masterClrMapping/>
-  </p:clrMapOvr>
-</p:sld>
-</file>
-
 <file path=ppt/slides/slide29.xml><?xml version="1.0" encoding="utf-8"?>
 <p:sld xmlns:a="http://schemas.openxmlformats.org/drawingml/2006/main" xmlns:r="http://schemas.openxmlformats.org/officeDocument/2006/relationships" xmlns:p="http://schemas.openxmlformats.org/presentationml/2006/main">
   <p:cSld>
@@ -5309,65 +6291,40 @@
           <a:chExt cx="0" cy="0"/>
         </a:xfrm>
       </p:grpSpPr>
-      <p:sp>
-        <p:nvSpPr>
-          <p:cNvPr id="2" name="TextBox 1"/>
-          <p:cNvSpPr txBox="1"/>
-          <p:nvPr/>
-        </p:nvSpPr>
-        <p:spPr>
-          <a:xfrm>
-            <a:off x="2084438" y="2664543"/>
-            <a:ext cx="8062452" cy="830997"/>
-          </a:xfrm>
-          <a:prstGeom prst="rect">
-            <a:avLst/>
-          </a:prstGeom>
-          <a:noFill/>
-        </p:spPr>
-        <p:txBody>
-          <a:bodyPr wrap="square" rtlCol="0">
-            <a:spAutoFit/>
-          </a:bodyPr>
-          <a:lstStyle/>
-          <a:p>
-            <a:pPr algn="ctr"/>
-            <a:r>
-              <a:rPr lang="en-US" altLang="ko-KR" sz="4800" b="1" dirty="0" smtClean="0">
-                <a:solidFill>
-                  <a:schemeClr val="accent1"/>
-                </a:solidFill>
-              </a:rPr>
-              <a:t>&lt; </a:t>
-            </a:r>
-            <a:r>
-              <a:rPr lang="ko-KR" altLang="en-US" sz="4800" b="1" dirty="0" smtClean="0">
-                <a:solidFill>
-                  <a:schemeClr val="accent1"/>
-                </a:solidFill>
-              </a:rPr>
-              <a:t>노트필기 정리하기 </a:t>
-            </a:r>
-            <a:r>
-              <a:rPr lang="en-US" altLang="ko-KR" sz="4800" b="1" dirty="0" smtClean="0">
-                <a:solidFill>
-                  <a:schemeClr val="accent1"/>
-                </a:solidFill>
-              </a:rPr>
-              <a:t>&gt;</a:t>
-            </a:r>
-            <a:endParaRPr lang="ko-KR" altLang="en-US" sz="4800" b="1" dirty="0">
-              <a:solidFill>
-                <a:schemeClr val="accent1"/>
-              </a:solidFill>
-            </a:endParaRPr>
-          </a:p>
-        </p:txBody>
-      </p:sp>
+      <p:pic>
+        <p:nvPicPr>
+          <p:cNvPr id="4" name="그림 3">
+            <a:extLst>
+              <a:ext uri="{FF2B5EF4-FFF2-40B4-BE49-F238E27FC236}">
+                <a16:creationId xmlns:a16="http://schemas.microsoft.com/office/drawing/2014/main" id="{6081818F-AF06-BB3B-D6F3-17D6B409F0DC}"/>
+              </a:ext>
+            </a:extLst>
+          </p:cNvPr>
+          <p:cNvPicPr>
+            <a:picLocks noChangeAspect="1"/>
+          </p:cNvPicPr>
+          <p:nvPr/>
+        </p:nvPicPr>
+        <p:blipFill>
+          <a:blip r:embed="rId2"/>
+          <a:stretch>
+            <a:fillRect/>
+          </a:stretch>
+        </p:blipFill>
+        <p:spPr>
+          <a:xfrm>
+            <a:off x="309413" y="1099777"/>
+            <a:ext cx="11573174" cy="4658446"/>
+          </a:xfrm>
+          <a:prstGeom prst="rect">
+            <a:avLst/>
+          </a:prstGeom>
+        </p:spPr>
+      </p:pic>
     </p:spTree>
     <p:extLst>
       <p:ext uri="{BB962C8B-B14F-4D97-AF65-F5344CB8AC3E}">
-        <p14:creationId xmlns:p14="http://schemas.microsoft.com/office/powerpoint/2010/main" val="1735865810"/>
+        <p14:creationId xmlns:p14="http://schemas.microsoft.com/office/powerpoint/2010/main" val="2320463121"/>
       </p:ext>
     </p:extLst>
   </p:cSld>
@@ -5421,12 +6378,12 @@
               <a:buChar char="•"/>
             </a:pPr>
             <a:r>
-              <a:rPr lang="ko-KR" altLang="en-US" sz="4000" b="1" dirty="0" err="1" smtClean="0">
+              <a:rPr lang="en-US" altLang="ko-KR" sz="4000" b="1" dirty="0">
                 <a:solidFill>
                   <a:schemeClr val="accent1"/>
                 </a:solidFill>
               </a:rPr>
-              <a:t>ㅇ</a:t>
+              <a:t>Hello World</a:t>
             </a:r>
             <a:endParaRPr lang="ko-KR" altLang="en-US" sz="4000" b="1" dirty="0">
               <a:solidFill>
@@ -5438,7 +6395,7 @@
       </p:sp>
       <p:pic>
         <p:nvPicPr>
-          <p:cNvPr id="4" name="그림 3"/>
+          <p:cNvPr id="2" name="그림 1"/>
           <p:cNvPicPr>
             <a:picLocks noChangeAspect="1"/>
           </p:cNvPicPr>
@@ -5452,8 +6409,8 @@
         </p:blipFill>
         <p:spPr>
           <a:xfrm>
-            <a:off x="408024" y="1179834"/>
-            <a:ext cx="7390604" cy="4557290"/>
+            <a:off x="408025" y="1305673"/>
+            <a:ext cx="7422312" cy="4062740"/>
           </a:xfrm>
           <a:prstGeom prst="rect">
             <a:avLst/>
@@ -5462,7 +6419,7 @@
       </p:pic>
       <p:pic>
         <p:nvPicPr>
-          <p:cNvPr id="6" name="그림 5"/>
+          <p:cNvPr id="4" name="그림 3"/>
           <p:cNvPicPr>
             <a:picLocks noChangeAspect="1"/>
           </p:cNvPicPr>
@@ -5476,8 +6433,8 @@
         </p:blipFill>
         <p:spPr>
           <a:xfrm>
-            <a:off x="7830391" y="3218154"/>
-            <a:ext cx="4012564" cy="3288988"/>
+            <a:off x="6888201" y="5128050"/>
+            <a:ext cx="4884991" cy="1213756"/>
           </a:xfrm>
           <a:prstGeom prst="rect">
             <a:avLst/>
@@ -5487,7 +6444,122 @@
     </p:spTree>
     <p:extLst>
       <p:ext uri="{BB962C8B-B14F-4D97-AF65-F5344CB8AC3E}">
-        <p14:creationId xmlns:p14="http://schemas.microsoft.com/office/powerpoint/2010/main" val="388505541"/>
+        <p14:creationId xmlns:p14="http://schemas.microsoft.com/office/powerpoint/2010/main" val="4139027485"/>
+      </p:ext>
+    </p:extLst>
+  </p:cSld>
+  <p:clrMapOvr>
+    <a:masterClrMapping/>
+  </p:clrMapOvr>
+</p:sld>
+</file>
+
+<file path=ppt/slides/slide30.xml><?xml version="1.0" encoding="utf-8"?>
+<p:sld xmlns:a="http://schemas.openxmlformats.org/drawingml/2006/main" xmlns:r="http://schemas.openxmlformats.org/officeDocument/2006/relationships" xmlns:p="http://schemas.openxmlformats.org/presentationml/2006/main">
+  <p:cSld>
+    <p:spTree>
+      <p:nvGrpSpPr>
+        <p:cNvPr id="1" name=""/>
+        <p:cNvGrpSpPr/>
+        <p:nvPr/>
+      </p:nvGrpSpPr>
+      <p:grpSpPr>
+        <a:xfrm>
+          <a:off x="0" y="0"/>
+          <a:ext cx="0" cy="0"/>
+          <a:chOff x="0" y="0"/>
+          <a:chExt cx="0" cy="0"/>
+        </a:xfrm>
+      </p:grpSpPr>
+      <p:sp>
+        <p:nvSpPr>
+          <p:cNvPr id="2" name="TextBox 1"/>
+          <p:cNvSpPr txBox="1"/>
+          <p:nvPr/>
+        </p:nvSpPr>
+        <p:spPr>
+          <a:xfrm>
+            <a:off x="2084438" y="2664543"/>
+            <a:ext cx="8062452" cy="830997"/>
+          </a:xfrm>
+          <a:prstGeom prst="rect">
+            <a:avLst/>
+          </a:prstGeom>
+          <a:noFill/>
+        </p:spPr>
+        <p:txBody>
+          <a:bodyPr wrap="square" rtlCol="0">
+            <a:spAutoFit/>
+          </a:bodyPr>
+          <a:lstStyle/>
+          <a:p>
+            <a:pPr algn="ctr"/>
+            <a:r>
+              <a:rPr lang="en-US" altLang="ko-KR" sz="4800" b="1" dirty="0">
+                <a:solidFill>
+                  <a:schemeClr val="accent1"/>
+                </a:solidFill>
+              </a:rPr>
+              <a:t>&lt; </a:t>
+            </a:r>
+            <a:r>
+              <a:rPr lang="ko-KR" altLang="en-US" sz="4800" b="1" dirty="0">
+                <a:solidFill>
+                  <a:schemeClr val="accent1"/>
+                </a:solidFill>
+              </a:rPr>
+              <a:t>노트필기 정리하기 </a:t>
+            </a:r>
+            <a:r>
+              <a:rPr lang="en-US" altLang="ko-KR" sz="4800" b="1" dirty="0">
+                <a:solidFill>
+                  <a:schemeClr val="accent1"/>
+                </a:solidFill>
+              </a:rPr>
+              <a:t>&gt;</a:t>
+            </a:r>
+            <a:endParaRPr lang="ko-KR" altLang="en-US" sz="4800" b="1" dirty="0">
+              <a:solidFill>
+                <a:schemeClr val="accent1"/>
+              </a:solidFill>
+            </a:endParaRPr>
+          </a:p>
+        </p:txBody>
+      </p:sp>
+    </p:spTree>
+    <p:extLst>
+      <p:ext uri="{BB962C8B-B14F-4D97-AF65-F5344CB8AC3E}">
+        <p14:creationId xmlns:p14="http://schemas.microsoft.com/office/powerpoint/2010/main" val="1735865810"/>
+      </p:ext>
+    </p:extLst>
+  </p:cSld>
+  <p:clrMapOvr>
+    <a:masterClrMapping/>
+  </p:clrMapOvr>
+</p:sld>
+</file>
+
+<file path=ppt/slides/slide31.xml><?xml version="1.0" encoding="utf-8"?>
+<p:sld xmlns:a="http://schemas.openxmlformats.org/drawingml/2006/main" xmlns:r="http://schemas.openxmlformats.org/officeDocument/2006/relationships" xmlns:p="http://schemas.openxmlformats.org/presentationml/2006/main">
+  <p:cSld>
+    <p:spTree>
+      <p:nvGrpSpPr>
+        <p:cNvPr id="1" name=""/>
+        <p:cNvGrpSpPr/>
+        <p:nvPr/>
+      </p:nvGrpSpPr>
+      <p:grpSpPr>
+        <a:xfrm>
+          <a:off x="0" y="0"/>
+          <a:ext cx="0" cy="0"/>
+          <a:chOff x="0" y="0"/>
+          <a:chExt cx="0" cy="0"/>
+        </a:xfrm>
+      </p:grpSpPr>
+    </p:spTree>
+    <p:extLst>
+      <p:ext uri="{BB962C8B-B14F-4D97-AF65-F5344CB8AC3E}">
+        <p14:creationId xmlns:p14="http://schemas.microsoft.com/office/powerpoint/2010/main" val="3890854234"/>
       </p:ext>
     </p:extLst>
   </p:cSld>
@@ -5541,24 +6613,28 @@
               <a:buChar char="•"/>
             </a:pPr>
             <a:r>
-              <a:rPr lang="ko-KR" altLang="en-US" sz="4000" b="1" dirty="0" err="1" smtClean="0">
+              <a:rPr lang="en-US" altLang="ko-KR" sz="4000" b="1" dirty="0">
                 <a:solidFill>
                   <a:schemeClr val="accent1"/>
                 </a:solidFill>
-              </a:rPr>
-              <a:t>ㅇ</a:t>
+                <a:latin typeface="+mj-ea"/>
+                <a:ea typeface="+mj-ea"/>
+              </a:rPr>
+              <a:t>Hello World 2</a:t>
             </a:r>
             <a:endParaRPr lang="ko-KR" altLang="en-US" sz="4000" b="1" dirty="0">
               <a:solidFill>
                 <a:schemeClr val="accent1"/>
               </a:solidFill>
+              <a:latin typeface="+mj-ea"/>
+              <a:ea typeface="+mj-ea"/>
             </a:endParaRPr>
           </a:p>
         </p:txBody>
       </p:sp>
       <p:pic>
         <p:nvPicPr>
-          <p:cNvPr id="2" name="그림 1"/>
+          <p:cNvPr id="4" name="그림 3"/>
           <p:cNvPicPr>
             <a:picLocks noChangeAspect="1"/>
           </p:cNvPicPr>
@@ -5572,8 +6648,8 @@
         </p:blipFill>
         <p:spPr>
           <a:xfrm>
-            <a:off x="408025" y="1179834"/>
-            <a:ext cx="6494220" cy="4242717"/>
+            <a:off x="408024" y="1179834"/>
+            <a:ext cx="7390604" cy="4557290"/>
           </a:xfrm>
           <a:prstGeom prst="rect">
             <a:avLst/>
@@ -5582,7 +6658,7 @@
       </p:pic>
       <p:pic>
         <p:nvPicPr>
-          <p:cNvPr id="4" name="그림 3"/>
+          <p:cNvPr id="6" name="그림 5"/>
           <p:cNvPicPr>
             <a:picLocks noChangeAspect="1"/>
           </p:cNvPicPr>
@@ -5596,80 +6672,8 @@
         </p:blipFill>
         <p:spPr>
           <a:xfrm>
-            <a:off x="7538267" y="471948"/>
-            <a:ext cx="4267796" cy="1686160"/>
-          </a:xfrm>
-          <a:prstGeom prst="rect">
-            <a:avLst/>
-          </a:prstGeom>
-        </p:spPr>
-      </p:pic>
-      <p:pic>
-        <p:nvPicPr>
-          <p:cNvPr id="5" name="그림 4"/>
-          <p:cNvPicPr>
-            <a:picLocks noChangeAspect="1"/>
-          </p:cNvPicPr>
-          <p:nvPr/>
-        </p:nvPicPr>
-        <p:blipFill>
-          <a:blip r:embed="rId4"/>
-          <a:stretch>
-            <a:fillRect/>
-          </a:stretch>
-        </p:blipFill>
-        <p:spPr>
-          <a:xfrm>
-            <a:off x="7649198" y="2158108"/>
-            <a:ext cx="4267796" cy="1438476"/>
-          </a:xfrm>
-          <a:prstGeom prst="rect">
-            <a:avLst/>
-          </a:prstGeom>
-        </p:spPr>
-      </p:pic>
-      <p:pic>
-        <p:nvPicPr>
-          <p:cNvPr id="6" name="그림 5"/>
-          <p:cNvPicPr>
-            <a:picLocks noChangeAspect="1"/>
-          </p:cNvPicPr>
-          <p:nvPr/>
-        </p:nvPicPr>
-        <p:blipFill>
-          <a:blip r:embed="rId5"/>
-          <a:stretch>
-            <a:fillRect/>
-          </a:stretch>
-        </p:blipFill>
-        <p:spPr>
-          <a:xfrm>
-            <a:off x="7649198" y="3596584"/>
-            <a:ext cx="4239217" cy="1400370"/>
-          </a:xfrm>
-          <a:prstGeom prst="rect">
-            <a:avLst/>
-          </a:prstGeom>
-        </p:spPr>
-      </p:pic>
-      <p:pic>
-        <p:nvPicPr>
-          <p:cNvPr id="7" name="그림 6"/>
-          <p:cNvPicPr>
-            <a:picLocks noChangeAspect="1"/>
-          </p:cNvPicPr>
-          <p:nvPr/>
-        </p:nvPicPr>
-        <p:blipFill>
-          <a:blip r:embed="rId6"/>
-          <a:stretch>
-            <a:fillRect/>
-          </a:stretch>
-        </p:blipFill>
-        <p:spPr>
-          <a:xfrm>
-            <a:off x="7649198" y="4965122"/>
-            <a:ext cx="3721808" cy="914857"/>
+            <a:off x="7830391" y="3218154"/>
+            <a:ext cx="4012564" cy="3288988"/>
           </a:xfrm>
           <a:prstGeom prst="rect">
             <a:avLst/>
@@ -5679,7 +6683,7 @@
     </p:spTree>
     <p:extLst>
       <p:ext uri="{BB962C8B-B14F-4D97-AF65-F5344CB8AC3E}">
-        <p14:creationId xmlns:p14="http://schemas.microsoft.com/office/powerpoint/2010/main" val="99356209"/>
+        <p14:creationId xmlns:p14="http://schemas.microsoft.com/office/powerpoint/2010/main" val="388505541"/>
       </p:ext>
     </p:extLst>
   </p:cSld>
@@ -5733,18 +6737,13 @@
               <a:buChar char="•"/>
             </a:pPr>
             <a:r>
-              <a:rPr lang="ko-KR" altLang="en-US" sz="4000" b="1" dirty="0" err="1" smtClean="0">
+              <a:rPr lang="ko-KR" altLang="en-US" sz="4000" b="1" dirty="0">
                 <a:solidFill>
                   <a:schemeClr val="accent1"/>
                 </a:solidFill>
               </a:rPr>
-              <a:t>ㅇ</a:t>
-            </a:r>
-            <a:endParaRPr lang="ko-KR" altLang="en-US" sz="4000" b="1" dirty="0">
-              <a:solidFill>
-                <a:schemeClr val="accent1"/>
-              </a:solidFill>
-            </a:endParaRPr>
+              <a:t>기본 함수 몇 가지</a:t>
+            </a:r>
           </a:p>
         </p:txBody>
       </p:sp>
@@ -5765,7 +6764,7 @@
         <p:spPr>
           <a:xfrm>
             <a:off x="408025" y="1179834"/>
-            <a:ext cx="6553214" cy="5308240"/>
+            <a:ext cx="6494220" cy="4242717"/>
           </a:xfrm>
           <a:prstGeom prst="rect">
             <a:avLst/>
@@ -5788,8 +6787,80 @@
         </p:blipFill>
         <p:spPr>
           <a:xfrm>
-            <a:off x="7044799" y="5560399"/>
-            <a:ext cx="4805280" cy="765443"/>
+            <a:off x="7538267" y="471948"/>
+            <a:ext cx="4267796" cy="1686160"/>
+          </a:xfrm>
+          <a:prstGeom prst="rect">
+            <a:avLst/>
+          </a:prstGeom>
+        </p:spPr>
+      </p:pic>
+      <p:pic>
+        <p:nvPicPr>
+          <p:cNvPr id="5" name="그림 4"/>
+          <p:cNvPicPr>
+            <a:picLocks noChangeAspect="1"/>
+          </p:cNvPicPr>
+          <p:nvPr/>
+        </p:nvPicPr>
+        <p:blipFill>
+          <a:blip r:embed="rId4"/>
+          <a:stretch>
+            <a:fillRect/>
+          </a:stretch>
+        </p:blipFill>
+        <p:spPr>
+          <a:xfrm>
+            <a:off x="7649198" y="2158108"/>
+            <a:ext cx="4267796" cy="1438476"/>
+          </a:xfrm>
+          <a:prstGeom prst="rect">
+            <a:avLst/>
+          </a:prstGeom>
+        </p:spPr>
+      </p:pic>
+      <p:pic>
+        <p:nvPicPr>
+          <p:cNvPr id="6" name="그림 5"/>
+          <p:cNvPicPr>
+            <a:picLocks noChangeAspect="1"/>
+          </p:cNvPicPr>
+          <p:nvPr/>
+        </p:nvPicPr>
+        <p:blipFill>
+          <a:blip r:embed="rId5"/>
+          <a:stretch>
+            <a:fillRect/>
+          </a:stretch>
+        </p:blipFill>
+        <p:spPr>
+          <a:xfrm>
+            <a:off x="7649198" y="3596584"/>
+            <a:ext cx="4239217" cy="1400370"/>
+          </a:xfrm>
+          <a:prstGeom prst="rect">
+            <a:avLst/>
+          </a:prstGeom>
+        </p:spPr>
+      </p:pic>
+      <p:pic>
+        <p:nvPicPr>
+          <p:cNvPr id="7" name="그림 6"/>
+          <p:cNvPicPr>
+            <a:picLocks noChangeAspect="1"/>
+          </p:cNvPicPr>
+          <p:nvPr/>
+        </p:nvPicPr>
+        <p:blipFill>
+          <a:blip r:embed="rId6"/>
+          <a:stretch>
+            <a:fillRect/>
+          </a:stretch>
+        </p:blipFill>
+        <p:spPr>
+          <a:xfrm>
+            <a:off x="7649198" y="4965122"/>
+            <a:ext cx="3721808" cy="914857"/>
           </a:xfrm>
           <a:prstGeom prst="rect">
             <a:avLst/>
@@ -5799,7 +6870,7 @@
     </p:spTree>
     <p:extLst>
       <p:ext uri="{BB962C8B-B14F-4D97-AF65-F5344CB8AC3E}">
-        <p14:creationId xmlns:p14="http://schemas.microsoft.com/office/powerpoint/2010/main" val="2019478935"/>
+        <p14:creationId xmlns:p14="http://schemas.microsoft.com/office/powerpoint/2010/main" val="99356209"/>
       </p:ext>
     </p:extLst>
   </p:cSld>
@@ -5853,12 +6924,36 @@
               <a:buChar char="•"/>
             </a:pPr>
             <a:r>
-              <a:rPr lang="ko-KR" altLang="en-US" sz="4000" b="1" dirty="0" err="1" smtClean="0">
+              <a:rPr lang="ko-KR" altLang="en-US" sz="4000" b="1" dirty="0">
                 <a:solidFill>
                   <a:schemeClr val="accent1"/>
                 </a:solidFill>
               </a:rPr>
-              <a:t>ㅇ</a:t>
+              <a:t>변수</a:t>
+            </a:r>
+            <a:r>
+              <a:rPr lang="en-US" altLang="ko-KR" sz="4000" b="1" dirty="0">
+                <a:solidFill>
+                  <a:schemeClr val="accent1"/>
+                </a:solidFill>
+              </a:rPr>
+              <a:t>(type,</a:t>
+            </a:r>
+            <a:r>
+              <a:rPr lang="ko-KR" altLang="en-US" sz="4000" b="1" dirty="0">
+                <a:solidFill>
+                  <a:schemeClr val="accent1"/>
+                </a:solidFill>
+              </a:rPr>
+              <a:t>연산</a:t>
+            </a:r>
+            <a:r>
+              <a:rPr lang="en-US" altLang="ko-KR" sz="4000" b="1" dirty="0">
+                <a:solidFill>
+                  <a:schemeClr val="accent1"/>
+                </a:solidFill>
+              </a:rPr>
+              <a:t>)</a:t>
             </a:r>
             <a:endParaRPr lang="ko-KR" altLang="en-US" sz="4000" b="1" dirty="0">
               <a:solidFill>
@@ -5885,7 +6980,7 @@
         <p:spPr>
           <a:xfrm>
             <a:off x="408025" y="1179834"/>
-            <a:ext cx="7010366" cy="5279960"/>
+            <a:ext cx="6553214" cy="5308240"/>
           </a:xfrm>
           <a:prstGeom prst="rect">
             <a:avLst/>
@@ -5908,8 +7003,8 @@
         </p:blipFill>
         <p:spPr>
           <a:xfrm>
-            <a:off x="7418391" y="5535011"/>
-            <a:ext cx="4454061" cy="924783"/>
+            <a:off x="7044799" y="5560399"/>
+            <a:ext cx="4805280" cy="765443"/>
           </a:xfrm>
           <a:prstGeom prst="rect">
             <a:avLst/>
@@ -5919,7 +7014,7 @@
     </p:spTree>
     <p:extLst>
       <p:ext uri="{BB962C8B-B14F-4D97-AF65-F5344CB8AC3E}">
-        <p14:creationId xmlns:p14="http://schemas.microsoft.com/office/powerpoint/2010/main" val="1689609078"/>
+        <p14:creationId xmlns:p14="http://schemas.microsoft.com/office/powerpoint/2010/main" val="2019478935"/>
       </p:ext>
     </p:extLst>
   </p:cSld>
@@ -5973,12 +7068,52 @@
               <a:buChar char="•"/>
             </a:pPr>
             <a:r>
-              <a:rPr lang="ko-KR" altLang="en-US" sz="4000" b="1" dirty="0" err="1" smtClean="0">
+              <a:rPr lang="ko-KR" altLang="en-US" sz="4000" b="1" dirty="0">
                 <a:solidFill>
                   <a:schemeClr val="accent1"/>
                 </a:solidFill>
               </a:rPr>
-              <a:t>ㅇ</a:t>
+              <a:t>변수</a:t>
+            </a:r>
+            <a:r>
+              <a:rPr lang="en-US" altLang="ko-KR" sz="4000" b="1" dirty="0">
+                <a:solidFill>
+                  <a:schemeClr val="accent1"/>
+                </a:solidFill>
+              </a:rPr>
+              <a:t>(</a:t>
+            </a:r>
+            <a:r>
+              <a:rPr lang="ko-KR" altLang="en-US" sz="4000" b="1" dirty="0">
+                <a:solidFill>
+                  <a:schemeClr val="accent1"/>
+                </a:solidFill>
+              </a:rPr>
+              <a:t>지역</a:t>
+            </a:r>
+            <a:r>
+              <a:rPr lang="en-US" altLang="ko-KR" sz="4000" b="1" dirty="0">
+                <a:solidFill>
+                  <a:schemeClr val="accent1"/>
+                </a:solidFill>
+              </a:rPr>
+              <a:t>, </a:t>
+            </a:r>
+            <a:r>
+              <a:rPr lang="ko-KR" altLang="en-US" sz="4000" b="1" dirty="0">
+                <a:solidFill>
+                  <a:schemeClr val="accent1"/>
+                </a:solidFill>
+              </a:rPr>
+              <a:t>전역변수</a:t>
+            </a:r>
+            <a:r>
+              <a:rPr lang="en-US" altLang="ko-KR" sz="4000" b="1" dirty="0">
+                <a:solidFill>
+                  <a:schemeClr val="accent1"/>
+                </a:solidFill>
+              </a:rPr>
+              <a:t>)</a:t>
             </a:r>
             <a:endParaRPr lang="ko-KR" altLang="en-US" sz="4000" b="1" dirty="0">
               <a:solidFill>
@@ -6004,8 +7139,8 @@
         </p:blipFill>
         <p:spPr>
           <a:xfrm>
-            <a:off x="7108627" y="353961"/>
-            <a:ext cx="4719579" cy="6187566"/>
+            <a:off x="408025" y="1179834"/>
+            <a:ext cx="7010366" cy="5279960"/>
           </a:xfrm>
           <a:prstGeom prst="rect">
             <a:avLst/>
@@ -6028,78 +7163,18 @@
         </p:blipFill>
         <p:spPr>
           <a:xfrm>
-            <a:off x="519373" y="3835467"/>
-            <a:ext cx="5287451" cy="839772"/>
+            <a:off x="7418391" y="5535011"/>
+            <a:ext cx="4454061" cy="924783"/>
           </a:xfrm>
           <a:prstGeom prst="rect">
             <a:avLst/>
           </a:prstGeom>
         </p:spPr>
       </p:pic>
-      <p:pic>
-        <p:nvPicPr>
-          <p:cNvPr id="5" name="그림 4"/>
-          <p:cNvPicPr>
-            <a:picLocks noChangeAspect="1"/>
-          </p:cNvPicPr>
-          <p:nvPr/>
-        </p:nvPicPr>
-        <p:blipFill>
-          <a:blip r:embed="rId4"/>
-          <a:stretch>
-            <a:fillRect/>
-          </a:stretch>
-        </p:blipFill>
-        <p:spPr>
-          <a:xfrm>
-            <a:off x="519373" y="4675239"/>
-            <a:ext cx="1191440" cy="1600994"/>
-          </a:xfrm>
-          <a:prstGeom prst="rect">
-            <a:avLst/>
-          </a:prstGeom>
-        </p:spPr>
-      </p:pic>
-      <p:sp>
-        <p:nvSpPr>
-          <p:cNvPr id="6" name="TextBox 5"/>
-          <p:cNvSpPr txBox="1"/>
-          <p:nvPr/>
-        </p:nvSpPr>
-        <p:spPr>
-          <a:xfrm>
-            <a:off x="2797263" y="4070687"/>
-            <a:ext cx="2610465" cy="369332"/>
-          </a:xfrm>
-          <a:prstGeom prst="rect">
-            <a:avLst/>
-          </a:prstGeom>
-          <a:noFill/>
-        </p:spPr>
-        <p:txBody>
-          <a:bodyPr wrap="square" rtlCol="0">
-            <a:spAutoFit/>
-          </a:bodyPr>
-          <a:lstStyle/>
-          <a:p>
-            <a:r>
-              <a:rPr lang="en-US" altLang="ko-KR" dirty="0" smtClean="0">
-                <a:latin typeface="D2Coding" panose="020B0609020101020101" pitchFamily="49" charset="-127"/>
-                <a:ea typeface="D2Coding" panose="020B0609020101020101" pitchFamily="49" charset="-127"/>
-              </a:rPr>
-              <a:t>90</a:t>
-            </a:r>
-            <a:endParaRPr lang="ko-KR" altLang="en-US" dirty="0">
-              <a:latin typeface="D2Coding" panose="020B0609020101020101" pitchFamily="49" charset="-127"/>
-              <a:ea typeface="D2Coding" panose="020B0609020101020101" pitchFamily="49" charset="-127"/>
-            </a:endParaRPr>
-          </a:p>
-        </p:txBody>
-      </p:sp>
     </p:spTree>
     <p:extLst>
       <p:ext uri="{BB962C8B-B14F-4D97-AF65-F5344CB8AC3E}">
-        <p14:creationId xmlns:p14="http://schemas.microsoft.com/office/powerpoint/2010/main" val="3875925976"/>
+        <p14:creationId xmlns:p14="http://schemas.microsoft.com/office/powerpoint/2010/main" val="1689609078"/>
       </p:ext>
     </p:extLst>
   </p:cSld>
@@ -6153,18 +7228,45 @@
               <a:buChar char="•"/>
             </a:pPr>
             <a:r>
-              <a:rPr lang="ko-KR" altLang="en-US" sz="4000" b="1" dirty="0" err="1" smtClean="0">
+              <a:rPr lang="ko-KR" altLang="en-US" sz="4000" b="1" dirty="0">
                 <a:solidFill>
                   <a:schemeClr val="accent1"/>
                 </a:solidFill>
               </a:rPr>
-              <a:t>ㅇ</a:t>
-            </a:r>
-            <a:endParaRPr lang="ko-KR" altLang="en-US" sz="4000" b="1" dirty="0">
-              <a:solidFill>
-                <a:schemeClr val="accent1"/>
-              </a:solidFill>
-            </a:endParaRPr>
+              <a:t>기본 지식</a:t>
+            </a:r>
+            <a:r>
+              <a:rPr lang="en-US" altLang="ko-KR" sz="4000" b="1" dirty="0">
+                <a:solidFill>
+                  <a:schemeClr val="accent1"/>
+                </a:solidFill>
+              </a:rPr>
+              <a:t>-</a:t>
+            </a:r>
+            <a:r>
+              <a:rPr lang="ko-KR" altLang="en-US" sz="4000" b="1" dirty="0">
+                <a:solidFill>
+                  <a:schemeClr val="accent1"/>
+                </a:solidFill>
+              </a:rPr>
+              <a:t>연산</a:t>
+            </a:r>
+            <a:r>
+              <a:rPr lang="en-US" altLang="ko-KR" sz="4000" b="1" dirty="0">
+                <a:solidFill>
+                  <a:schemeClr val="accent1"/>
+                </a:solidFill>
+              </a:rPr>
+              <a:t>, </a:t>
+            </a:r>
+            <a:r>
+              <a:rPr lang="ko-KR" altLang="en-US" sz="4000" b="1" dirty="0">
+                <a:solidFill>
+                  <a:schemeClr val="accent1"/>
+                </a:solidFill>
+              </a:rPr>
+              <a:t>조건식</a:t>
+            </a:r>
           </a:p>
         </p:txBody>
       </p:sp>
@@ -6184,8 +7286,8 @@
         </p:blipFill>
         <p:spPr>
           <a:xfrm>
-            <a:off x="408025" y="1179834"/>
-            <a:ext cx="6907175" cy="5303341"/>
+            <a:off x="7108627" y="353961"/>
+            <a:ext cx="4719579" cy="6187566"/>
           </a:xfrm>
           <a:prstGeom prst="rect">
             <a:avLst/>
@@ -6208,18 +7310,78 @@
         </p:blipFill>
         <p:spPr>
           <a:xfrm>
-            <a:off x="7846142" y="825891"/>
-            <a:ext cx="3954070" cy="5663381"/>
+            <a:off x="519373" y="3835467"/>
+            <a:ext cx="5287451" cy="839772"/>
           </a:xfrm>
           <a:prstGeom prst="rect">
             <a:avLst/>
           </a:prstGeom>
         </p:spPr>
       </p:pic>
+      <p:pic>
+        <p:nvPicPr>
+          <p:cNvPr id="5" name="그림 4"/>
+          <p:cNvPicPr>
+            <a:picLocks noChangeAspect="1"/>
+          </p:cNvPicPr>
+          <p:nvPr/>
+        </p:nvPicPr>
+        <p:blipFill>
+          <a:blip r:embed="rId4"/>
+          <a:stretch>
+            <a:fillRect/>
+          </a:stretch>
+        </p:blipFill>
+        <p:spPr>
+          <a:xfrm>
+            <a:off x="519373" y="4675239"/>
+            <a:ext cx="1191440" cy="1600994"/>
+          </a:xfrm>
+          <a:prstGeom prst="rect">
+            <a:avLst/>
+          </a:prstGeom>
+        </p:spPr>
+      </p:pic>
+      <p:sp>
+        <p:nvSpPr>
+          <p:cNvPr id="6" name="TextBox 5"/>
+          <p:cNvSpPr txBox="1"/>
+          <p:nvPr/>
+        </p:nvSpPr>
+        <p:spPr>
+          <a:xfrm>
+            <a:off x="2797263" y="4070687"/>
+            <a:ext cx="2610465" cy="369332"/>
+          </a:xfrm>
+          <a:prstGeom prst="rect">
+            <a:avLst/>
+          </a:prstGeom>
+          <a:noFill/>
+        </p:spPr>
+        <p:txBody>
+          <a:bodyPr wrap="square" rtlCol="0">
+            <a:spAutoFit/>
+          </a:bodyPr>
+          <a:lstStyle/>
+          <a:p>
+            <a:r>
+              <a:rPr lang="en-US" altLang="ko-KR" dirty="0">
+                <a:latin typeface="D2Coding" panose="020B0609020101020101" pitchFamily="49" charset="-127"/>
+                <a:ea typeface="D2Coding" panose="020B0609020101020101" pitchFamily="49" charset="-127"/>
+              </a:rPr>
+              <a:t>90</a:t>
+            </a:r>
+            <a:endParaRPr lang="ko-KR" altLang="en-US" dirty="0">
+              <a:latin typeface="D2Coding" panose="020B0609020101020101" pitchFamily="49" charset="-127"/>
+              <a:ea typeface="D2Coding" panose="020B0609020101020101" pitchFamily="49" charset="-127"/>
+            </a:endParaRPr>
+          </a:p>
+        </p:txBody>
+      </p:sp>
     </p:spTree>
     <p:extLst>
       <p:ext uri="{BB962C8B-B14F-4D97-AF65-F5344CB8AC3E}">
-        <p14:creationId xmlns:p14="http://schemas.microsoft.com/office/powerpoint/2010/main" val="2877748327"/>
+        <p14:creationId xmlns:p14="http://schemas.microsoft.com/office/powerpoint/2010/main" val="3875925976"/>
       </p:ext>
     </p:extLst>
   </p:cSld>
@@ -6273,12 +7435,28 @@
               <a:buChar char="•"/>
             </a:pPr>
             <a:r>
-              <a:rPr lang="ko-KR" altLang="en-US" sz="4000" b="1" dirty="0" err="1" smtClean="0">
+              <a:rPr lang="ko-KR" altLang="en-US" sz="4000" b="1" dirty="0">
                 <a:solidFill>
                   <a:schemeClr val="accent1"/>
                 </a:solidFill>
               </a:rPr>
-              <a:t>ㅇ</a:t>
+              <a:t>기본 지식</a:t>
+            </a:r>
+            <a:r>
+              <a:rPr lang="en-US" altLang="ko-KR" sz="4000" b="1" dirty="0">
+                <a:solidFill>
+                  <a:schemeClr val="accent1"/>
+                </a:solidFill>
+              </a:rPr>
+              <a:t>- </a:t>
+            </a:r>
+            <a:r>
+              <a:rPr lang="ko-KR" altLang="en-US" sz="4000" b="1" dirty="0" err="1">
+                <a:solidFill>
+                  <a:schemeClr val="accent1"/>
+                </a:solidFill>
+              </a:rPr>
+              <a:t>반복문</a:t>
             </a:r>
             <a:endParaRPr lang="ko-KR" altLang="en-US" sz="4000" b="1" dirty="0">
               <a:solidFill>
@@ -6304,8 +7482,32 @@
         </p:blipFill>
         <p:spPr>
           <a:xfrm>
-            <a:off x="408024" y="1179834"/>
-            <a:ext cx="6980917" cy="5267613"/>
+            <a:off x="408025" y="1179834"/>
+            <a:ext cx="6907175" cy="5303341"/>
+          </a:xfrm>
+          <a:prstGeom prst="rect">
+            <a:avLst/>
+          </a:prstGeom>
+        </p:spPr>
+      </p:pic>
+      <p:pic>
+        <p:nvPicPr>
+          <p:cNvPr id="4" name="그림 3"/>
+          <p:cNvPicPr>
+            <a:picLocks noChangeAspect="1"/>
+          </p:cNvPicPr>
+          <p:nvPr/>
+        </p:nvPicPr>
+        <p:blipFill>
+          <a:blip r:embed="rId3"/>
+          <a:stretch>
+            <a:fillRect/>
+          </a:stretch>
+        </p:blipFill>
+        <p:spPr>
+          <a:xfrm>
+            <a:off x="7846142" y="825891"/>
+            <a:ext cx="3954070" cy="5663381"/>
           </a:xfrm>
           <a:prstGeom prst="rect">
             <a:avLst/>
@@ -6315,7 +7517,7 @@
     </p:spTree>
     <p:extLst>
       <p:ext uri="{BB962C8B-B14F-4D97-AF65-F5344CB8AC3E}">
-        <p14:creationId xmlns:p14="http://schemas.microsoft.com/office/powerpoint/2010/main" val="2795617343"/>
+        <p14:creationId xmlns:p14="http://schemas.microsoft.com/office/powerpoint/2010/main" val="2877748327"/>
       </p:ext>
     </p:extLst>
   </p:cSld>
